--- a/img/pin_map.pptx
+++ b/img/pin_map.pptx
@@ -2756,12 +2756,9 @@
           <a:r>
             <a:rPr lang="en-US" sz="1300" b="1" kern="1200">
               <a:solidFill>
-                <a:srgbClr val="44546A">
-                  <a:hueOff val="0"/>
-                  <a:satOff val="0"/>
-                  <a:lumOff val="0"/>
-                  <a:alphaOff val="0"/>
-                </a:srgbClr>
+                <a:schemeClr val="bg1">
+                  <a:lumMod val="65000"/>
+                </a:schemeClr>
               </a:solidFill>
               <a:latin typeface="Calibri" panose="020F0502020204030204"/>
               <a:ea typeface="+mn-ea"/>
@@ -2805,12 +2802,9 @@
           <a:r>
             <a:rPr lang="en-US" sz="1300" b="1" kern="1200">
               <a:solidFill>
-                <a:srgbClr val="44546A">
-                  <a:hueOff val="0"/>
-                  <a:satOff val="0"/>
-                  <a:lumOff val="0"/>
-                  <a:alphaOff val="0"/>
-                </a:srgbClr>
+                <a:schemeClr val="bg1">
+                  <a:lumMod val="65000"/>
+                </a:schemeClr>
               </a:solidFill>
               <a:latin typeface="Calibri" panose="020F0502020204030204"/>
               <a:ea typeface="+mn-ea"/>
@@ -2843,12 +2837,9 @@
           <a:r>
             <a:rPr lang="en-US" sz="1300" b="1" kern="1200">
               <a:solidFill>
-                <a:srgbClr val="44546A">
-                  <a:hueOff val="0"/>
-                  <a:satOff val="0"/>
-                  <a:lumOff val="0"/>
-                  <a:alphaOff val="0"/>
-                </a:srgbClr>
+                <a:schemeClr val="bg1">
+                  <a:lumMod val="65000"/>
+                </a:schemeClr>
               </a:solidFill>
               <a:latin typeface="Calibri" panose="020F0502020204030204"/>
               <a:ea typeface="+mn-ea"/>
@@ -2892,12 +2883,9 @@
           <a:r>
             <a:rPr lang="en-US" sz="1300" b="1" kern="1200">
               <a:solidFill>
-                <a:srgbClr val="44546A">
-                  <a:hueOff val="0"/>
-                  <a:satOff val="0"/>
-                  <a:lumOff val="0"/>
-                  <a:alphaOff val="0"/>
-                </a:srgbClr>
+                <a:schemeClr val="bg1">
+                  <a:lumMod val="65000"/>
+                </a:schemeClr>
               </a:solidFill>
               <a:latin typeface="Calibri" panose="020F0502020204030204"/>
               <a:ea typeface="+mn-ea"/>
@@ -3072,12 +3060,9 @@
           <a:r>
             <a:rPr lang="en-US" sz="1300" b="1" kern="1200">
               <a:solidFill>
-                <a:srgbClr val="44546A">
-                  <a:hueOff val="0"/>
-                  <a:satOff val="0"/>
-                  <a:lumOff val="0"/>
-                  <a:alphaOff val="0"/>
-                </a:srgbClr>
+                <a:schemeClr val="bg1">
+                  <a:lumMod val="65000"/>
+                </a:schemeClr>
               </a:solidFill>
               <a:latin typeface="Calibri" panose="020F0502020204030204"/>
               <a:ea typeface="+mn-ea"/>
@@ -3121,12 +3106,9 @@
           <a:r>
             <a:rPr lang="en-US" sz="1300" b="1" kern="1200">
               <a:solidFill>
-                <a:srgbClr val="44546A">
-                  <a:hueOff val="0"/>
-                  <a:satOff val="0"/>
-                  <a:lumOff val="0"/>
-                  <a:alphaOff val="0"/>
-                </a:srgbClr>
+                <a:schemeClr val="bg1">
+                  <a:lumMod val="65000"/>
+                </a:schemeClr>
               </a:solidFill>
               <a:latin typeface="Calibri" panose="020F0502020204030204"/>
               <a:ea typeface="+mn-ea"/>
@@ -3159,12 +3141,9 @@
           <a:r>
             <a:rPr lang="en-US" sz="1300" b="1" kern="1200">
               <a:solidFill>
-                <a:srgbClr val="44546A">
-                  <a:hueOff val="0"/>
-                  <a:satOff val="0"/>
-                  <a:lumOff val="0"/>
-                  <a:alphaOff val="0"/>
-                </a:srgbClr>
+                <a:schemeClr val="bg1">
+                  <a:lumMod val="65000"/>
+                </a:schemeClr>
               </a:solidFill>
               <a:latin typeface="Calibri" panose="020F0502020204030204"/>
               <a:ea typeface="+mn-ea"/>
@@ -3208,12 +3187,9 @@
           <a:r>
             <a:rPr lang="en-US" sz="1200" b="1" kern="1200">
               <a:solidFill>
-                <a:srgbClr val="44546A">
-                  <a:hueOff val="0"/>
-                  <a:satOff val="0"/>
-                  <a:lumOff val="0"/>
-                  <a:alphaOff val="0"/>
-                </a:srgbClr>
+                <a:schemeClr val="bg1">
+                  <a:lumMod val="65000"/>
+                </a:schemeClr>
               </a:solidFill>
               <a:latin typeface="Calibri" panose="020F0502020204030204"/>
               <a:ea typeface="+mn-ea"/>
@@ -3224,12 +3200,9 @@
           <a:r>
             <a:rPr lang="en-US" altLang="zh-CN" sz="1200" b="1" kern="1200">
               <a:solidFill>
-                <a:srgbClr val="44546A">
-                  <a:hueOff val="0"/>
-                  <a:satOff val="0"/>
-                  <a:lumOff val="0"/>
-                  <a:alphaOff val="0"/>
-                </a:srgbClr>
+                <a:schemeClr val="bg1">
+                  <a:lumMod val="65000"/>
+                </a:schemeClr>
               </a:solidFill>
               <a:latin typeface="Calibri" panose="020F0502020204030204"/>
               <a:ea typeface="+mn-ea"/>
@@ -3239,12 +3212,9 @@
           </a:r>
           <a:endParaRPr lang="en-US" sz="1200" b="1" kern="1200">
             <a:solidFill>
-              <a:srgbClr val="44546A">
-                <a:hueOff val="0"/>
-                <a:satOff val="0"/>
-                <a:lumOff val="0"/>
-                <a:alphaOff val="0"/>
-              </a:srgbClr>
+              <a:schemeClr val="bg1">
+                <a:lumMod val="65000"/>
+              </a:schemeClr>
             </a:solidFill>
             <a:latin typeface="Calibri" panose="020F0502020204030204"/>
             <a:ea typeface="+mn-ea"/>
@@ -3709,12 +3679,9 @@
           <a:r>
             <a:rPr lang="en-US" sz="1300" b="1" kern="1200">
               <a:solidFill>
-                <a:srgbClr val="44546A">
-                  <a:hueOff val="0"/>
-                  <a:satOff val="0"/>
-                  <a:lumOff val="0"/>
-                  <a:alphaOff val="0"/>
-                </a:srgbClr>
+                <a:schemeClr val="bg1">
+                  <a:lumMod val="65000"/>
+                </a:schemeClr>
               </a:solidFill>
               <a:latin typeface="Calibri" panose="020F0502020204030204"/>
               <a:ea typeface="+mn-ea"/>
@@ -3835,12 +3802,9 @@
           <a:r>
             <a:rPr lang="en-US" sz="1300" b="1" kern="1200">
               <a:solidFill>
-                <a:srgbClr val="44546A">
-                  <a:hueOff val="0"/>
-                  <a:satOff val="0"/>
-                  <a:lumOff val="0"/>
-                  <a:alphaOff val="0"/>
-                </a:srgbClr>
+                <a:schemeClr val="bg1">
+                  <a:lumMod val="65000"/>
+                </a:schemeClr>
               </a:solidFill>
               <a:latin typeface="Calibri" panose="020F0502020204030204"/>
               <a:ea typeface="+mn-ea"/>
@@ -3929,12 +3893,9 @@
           <a:r>
             <a:rPr lang="en-US" sz="1300" b="1" kern="1200">
               <a:solidFill>
-                <a:srgbClr val="44546A">
-                  <a:hueOff val="0"/>
-                  <a:satOff val="0"/>
-                  <a:lumOff val="0"/>
-                  <a:alphaOff val="0"/>
-                </a:srgbClr>
+                <a:schemeClr val="bg1">
+                  <a:lumMod val="65000"/>
+                </a:schemeClr>
               </a:solidFill>
               <a:latin typeface="Calibri" panose="020F0502020204030204"/>
               <a:ea typeface="+mn-ea"/>
@@ -4055,12 +4016,9 @@
           <a:r>
             <a:rPr lang="en-US" sz="1300" b="1" kern="1200">
               <a:solidFill>
-                <a:srgbClr val="44546A">
-                  <a:hueOff val="0"/>
-                  <a:satOff val="0"/>
-                  <a:lumOff val="0"/>
-                  <a:alphaOff val="0"/>
-                </a:srgbClr>
+                <a:schemeClr val="bg1">
+                  <a:lumMod val="65000"/>
+                </a:schemeClr>
               </a:solidFill>
               <a:latin typeface="Calibri" panose="020F0502020204030204"/>
               <a:ea typeface="+mn-ea"/>
@@ -4161,12 +4119,9 @@
           <a:r>
             <a:rPr lang="en-US" sz="1300" b="1" kern="1200">
               <a:solidFill>
-                <a:srgbClr val="44546A">
-                  <a:hueOff val="0"/>
-                  <a:satOff val="0"/>
-                  <a:lumOff val="0"/>
-                  <a:alphaOff val="0"/>
-                </a:srgbClr>
+                <a:schemeClr val="bg1">
+                  <a:lumMod val="65000"/>
+                </a:schemeClr>
               </a:solidFill>
               <a:latin typeface="Calibri" panose="020F0502020204030204"/>
               <a:ea typeface="+mn-ea"/>
@@ -4287,12 +4242,9 @@
           <a:r>
             <a:rPr lang="en-US" sz="1300" b="1" kern="1200">
               <a:solidFill>
-                <a:srgbClr val="44546A">
-                  <a:hueOff val="0"/>
-                  <a:satOff val="0"/>
-                  <a:lumOff val="0"/>
-                  <a:alphaOff val="0"/>
-                </a:srgbClr>
+                <a:schemeClr val="bg1">
+                  <a:lumMod val="65000"/>
+                </a:schemeClr>
               </a:solidFill>
               <a:latin typeface="Calibri" panose="020F0502020204030204"/>
               <a:ea typeface="+mn-ea"/>
@@ -4381,12 +4333,9 @@
           <a:r>
             <a:rPr lang="en-US" sz="1300" b="1" kern="1200">
               <a:solidFill>
-                <a:srgbClr val="44546A">
-                  <a:hueOff val="0"/>
-                  <a:satOff val="0"/>
-                  <a:lumOff val="0"/>
-                  <a:alphaOff val="0"/>
-                </a:srgbClr>
+                <a:schemeClr val="bg1">
+                  <a:lumMod val="65000"/>
+                </a:schemeClr>
               </a:solidFill>
               <a:latin typeface="Calibri" panose="020F0502020204030204"/>
               <a:ea typeface="+mn-ea"/>
@@ -4507,12 +4456,9 @@
           <a:r>
             <a:rPr lang="en-US" sz="1200" b="1" kern="1200">
               <a:solidFill>
-                <a:srgbClr val="44546A">
-                  <a:hueOff val="0"/>
-                  <a:satOff val="0"/>
-                  <a:lumOff val="0"/>
-                  <a:alphaOff val="0"/>
-                </a:srgbClr>
+                <a:schemeClr val="bg1">
+                  <a:lumMod val="65000"/>
+                </a:schemeClr>
               </a:solidFill>
               <a:latin typeface="Calibri" panose="020F0502020204030204"/>
               <a:ea typeface="+mn-ea"/>
@@ -4523,12 +4469,9 @@
           <a:r>
             <a:rPr lang="en-US" altLang="zh-CN" sz="1200" b="1" kern="1200">
               <a:solidFill>
-                <a:srgbClr val="44546A">
-                  <a:hueOff val="0"/>
-                  <a:satOff val="0"/>
-                  <a:lumOff val="0"/>
-                  <a:alphaOff val="0"/>
-                </a:srgbClr>
+                <a:schemeClr val="bg1">
+                  <a:lumMod val="65000"/>
+                </a:schemeClr>
               </a:solidFill>
               <a:latin typeface="Calibri" panose="020F0502020204030204"/>
               <a:ea typeface="+mn-ea"/>
@@ -4538,12 +4481,9 @@
           </a:r>
           <a:endParaRPr lang="en-US" sz="1200" b="1" kern="1200">
             <a:solidFill>
-              <a:srgbClr val="44546A">
-                <a:hueOff val="0"/>
-                <a:satOff val="0"/>
-                <a:lumOff val="0"/>
-                <a:alphaOff val="0"/>
-              </a:srgbClr>
+              <a:schemeClr val="bg1">
+                <a:lumMod val="65000"/>
+              </a:schemeClr>
             </a:solidFill>
             <a:latin typeface="Calibri" panose="020F0502020204030204"/>
             <a:ea typeface="+mn-ea"/>
@@ -12073,150 +12013,1006 @@
           <a:chExt cx="0" cy="0"/>
         </a:xfrm>
       </p:grpSpPr>
-      <p:pic>
-        <p:nvPicPr>
-          <p:cNvPr id="6" name="图片 5">
+      <p:grpSp>
+        <p:nvGrpSpPr>
+          <p:cNvPr id="2" name="组合 1">
             <a:extLst>
               <a:ext uri="{FF2B5EF4-FFF2-40B4-BE49-F238E27FC236}">
-                <a16:creationId xmlns:a16="http://schemas.microsoft.com/office/drawing/2014/main" id="{BFAF17FD-0479-495F-9617-08968AAFEA40}"/>
+                <a16:creationId xmlns:a16="http://schemas.microsoft.com/office/drawing/2014/main" id="{081BB02D-BAFE-4967-8812-E4C030576732}"/>
               </a:ext>
             </a:extLst>
           </p:cNvPr>
-          <p:cNvPicPr>
-            <a:picLocks noChangeAspect="1"/>
-          </p:cNvPicPr>
+          <p:cNvGrpSpPr>
+            <a:grpSpLocks noChangeAspect="1"/>
+          </p:cNvGrpSpPr>
           <p:nvPr/>
-        </p:nvPicPr>
-        <p:blipFill>
-          <a:blip r:embed="rId2">
-            <a:extLst>
-              <a:ext uri="{28A0092B-C50C-407E-A947-70E740481C1C}">
-                <a14:useLocalDpi xmlns:a14="http://schemas.microsoft.com/office/drawing/2010/main" val="0"/>
-              </a:ext>
-            </a:extLst>
-          </a:blip>
-          <a:stretch>
-            <a:fillRect/>
-          </a:stretch>
-        </p:blipFill>
-        <p:spPr>
+        </p:nvGrpSpPr>
+        <p:grpSpPr>
           <a:xfrm>
-            <a:off x="2754803" y="433121"/>
-            <a:ext cx="5689600" cy="4267200"/>
+            <a:off x="2878991" y="113671"/>
+            <a:ext cx="6851081" cy="5334000"/>
+            <a:chOff x="2702335" y="422925"/>
+            <a:chExt cx="5742068" cy="4470566"/>
           </a:xfrm>
-          <a:prstGeom prst="rect">
-            <a:avLst/>
-          </a:prstGeom>
-        </p:spPr>
-      </p:pic>
-      <p:pic>
-        <p:nvPicPr>
-          <p:cNvPr id="16" name="图片 15">
-            <a:extLst>
-              <a:ext uri="{FF2B5EF4-FFF2-40B4-BE49-F238E27FC236}">
-                <a16:creationId xmlns:a16="http://schemas.microsoft.com/office/drawing/2014/main" id="{88BF9D0F-EA84-4D6D-86A2-F5D93E379A03}"/>
-              </a:ext>
-            </a:extLst>
-          </p:cNvPr>
-          <p:cNvPicPr>
-            <a:picLocks noChangeAspect="1"/>
-          </p:cNvPicPr>
-          <p:nvPr/>
-        </p:nvPicPr>
-        <p:blipFill>
-          <a:blip r:embed="rId3">
-            <a:extLst>
-              <a:ext uri="{28A0092B-C50C-407E-A947-70E740481C1C}">
-                <a14:useLocalDpi xmlns:a14="http://schemas.microsoft.com/office/drawing/2010/main" val="0"/>
-              </a:ext>
-            </a:extLst>
-          </a:blip>
-          <a:stretch>
-            <a:fillRect/>
-          </a:stretch>
-        </p:blipFill>
-        <p:spPr>
-          <a:xfrm>
-            <a:off x="3229262" y="422925"/>
-            <a:ext cx="472059" cy="472059"/>
-          </a:xfrm>
-          <a:prstGeom prst="rect">
-            <a:avLst/>
-          </a:prstGeom>
-        </p:spPr>
-      </p:pic>
-      <p:pic>
-        <p:nvPicPr>
-          <p:cNvPr id="20" name="图片 19">
-            <a:extLst>
-              <a:ext uri="{FF2B5EF4-FFF2-40B4-BE49-F238E27FC236}">
-                <a16:creationId xmlns:a16="http://schemas.microsoft.com/office/drawing/2014/main" id="{FD507FA7-479F-463D-9A86-9252F46244B8}"/>
-              </a:ext>
-            </a:extLst>
-          </p:cNvPr>
-          <p:cNvPicPr>
-            <a:picLocks noChangeAspect="1"/>
-          </p:cNvPicPr>
-          <p:nvPr/>
-        </p:nvPicPr>
-        <p:blipFill>
-          <a:blip r:embed="rId4">
-            <a:extLst>
-              <a:ext uri="{28A0092B-C50C-407E-A947-70E740481C1C}">
-                <a14:useLocalDpi xmlns:a14="http://schemas.microsoft.com/office/drawing/2010/main" val="0"/>
-              </a:ext>
-            </a:extLst>
-          </a:blip>
-          <a:stretch>
-            <a:fillRect/>
-          </a:stretch>
-        </p:blipFill>
-        <p:spPr>
-          <a:xfrm>
-            <a:off x="3672537" y="422925"/>
-            <a:ext cx="472059" cy="472059"/>
-          </a:xfrm>
-          <a:prstGeom prst="rect">
-            <a:avLst/>
-          </a:prstGeom>
-        </p:spPr>
-      </p:pic>
-      <p:pic>
-        <p:nvPicPr>
-          <p:cNvPr id="23" name="图片 22">
-            <a:extLst>
-              <a:ext uri="{FF2B5EF4-FFF2-40B4-BE49-F238E27FC236}">
-                <a16:creationId xmlns:a16="http://schemas.microsoft.com/office/drawing/2014/main" id="{4D10176D-A5F5-4306-A4FC-F8A53BFED3C0}"/>
-              </a:ext>
-            </a:extLst>
-          </p:cNvPr>
-          <p:cNvPicPr>
-            <a:picLocks noChangeAspect="1"/>
-          </p:cNvPicPr>
-          <p:nvPr/>
-        </p:nvPicPr>
-        <p:blipFill>
-          <a:blip r:embed="rId5">
-            <a:extLst>
-              <a:ext uri="{28A0092B-C50C-407E-A947-70E740481C1C}">
-                <a14:useLocalDpi xmlns:a14="http://schemas.microsoft.com/office/drawing/2010/main" val="0"/>
-              </a:ext>
-            </a:extLst>
-          </a:blip>
-          <a:stretch>
-            <a:fillRect/>
-          </a:stretch>
-        </p:blipFill>
-        <p:spPr>
-          <a:xfrm>
-            <a:off x="4115812" y="422925"/>
-            <a:ext cx="472059" cy="472059"/>
-          </a:xfrm>
-          <a:prstGeom prst="rect">
-            <a:avLst/>
-          </a:prstGeom>
-        </p:spPr>
-      </p:pic>
+        </p:grpSpPr>
+        <p:pic>
+          <p:nvPicPr>
+            <p:cNvPr id="6" name="图片 5">
+              <a:extLst>
+                <a:ext uri="{FF2B5EF4-FFF2-40B4-BE49-F238E27FC236}">
+                  <a16:creationId xmlns:a16="http://schemas.microsoft.com/office/drawing/2014/main" id="{BFAF17FD-0479-495F-9617-08968AAFEA40}"/>
+                </a:ext>
+              </a:extLst>
+            </p:cNvPr>
+            <p:cNvPicPr>
+              <a:picLocks noChangeAspect="1"/>
+            </p:cNvPicPr>
+            <p:nvPr/>
+          </p:nvPicPr>
+          <p:blipFill>
+            <a:blip r:embed="rId2">
+              <a:extLst>
+                <a:ext uri="{28A0092B-C50C-407E-A947-70E740481C1C}">
+                  <a14:useLocalDpi xmlns:a14="http://schemas.microsoft.com/office/drawing/2010/main" val="0"/>
+                </a:ext>
+              </a:extLst>
+            </a:blip>
+            <a:stretch>
+              <a:fillRect/>
+            </a:stretch>
+          </p:blipFill>
+          <p:spPr>
+            <a:xfrm>
+              <a:off x="2754803" y="433121"/>
+              <a:ext cx="5689600" cy="4267200"/>
+            </a:xfrm>
+            <a:prstGeom prst="rect">
+              <a:avLst/>
+            </a:prstGeom>
+          </p:spPr>
+        </p:pic>
+        <p:pic>
+          <p:nvPicPr>
+            <p:cNvPr id="16" name="图片 15">
+              <a:extLst>
+                <a:ext uri="{FF2B5EF4-FFF2-40B4-BE49-F238E27FC236}">
+                  <a16:creationId xmlns:a16="http://schemas.microsoft.com/office/drawing/2014/main" id="{88BF9D0F-EA84-4D6D-86A2-F5D93E379A03}"/>
+                </a:ext>
+              </a:extLst>
+            </p:cNvPr>
+            <p:cNvPicPr>
+              <a:picLocks noChangeAspect="1"/>
+            </p:cNvPicPr>
+            <p:nvPr/>
+          </p:nvPicPr>
+          <p:blipFill>
+            <a:blip r:embed="rId3">
+              <a:extLst>
+                <a:ext uri="{28A0092B-C50C-407E-A947-70E740481C1C}">
+                  <a14:useLocalDpi xmlns:a14="http://schemas.microsoft.com/office/drawing/2010/main" val="0"/>
+                </a:ext>
+              </a:extLst>
+            </a:blip>
+            <a:stretch>
+              <a:fillRect/>
+            </a:stretch>
+          </p:blipFill>
+          <p:spPr>
+            <a:xfrm>
+              <a:off x="3229262" y="422925"/>
+              <a:ext cx="472059" cy="472059"/>
+            </a:xfrm>
+            <a:prstGeom prst="rect">
+              <a:avLst/>
+            </a:prstGeom>
+          </p:spPr>
+        </p:pic>
+        <p:pic>
+          <p:nvPicPr>
+            <p:cNvPr id="20" name="图片 19">
+              <a:extLst>
+                <a:ext uri="{FF2B5EF4-FFF2-40B4-BE49-F238E27FC236}">
+                  <a16:creationId xmlns:a16="http://schemas.microsoft.com/office/drawing/2014/main" id="{FD507FA7-479F-463D-9A86-9252F46244B8}"/>
+                </a:ext>
+              </a:extLst>
+            </p:cNvPr>
+            <p:cNvPicPr>
+              <a:picLocks noChangeAspect="1"/>
+            </p:cNvPicPr>
+            <p:nvPr/>
+          </p:nvPicPr>
+          <p:blipFill>
+            <a:blip r:embed="rId4">
+              <a:extLst>
+                <a:ext uri="{28A0092B-C50C-407E-A947-70E740481C1C}">
+                  <a14:useLocalDpi xmlns:a14="http://schemas.microsoft.com/office/drawing/2010/main" val="0"/>
+                </a:ext>
+              </a:extLst>
+            </a:blip>
+            <a:stretch>
+              <a:fillRect/>
+            </a:stretch>
+          </p:blipFill>
+          <p:spPr>
+            <a:xfrm>
+              <a:off x="3672537" y="422925"/>
+              <a:ext cx="472059" cy="472059"/>
+            </a:xfrm>
+            <a:prstGeom prst="rect">
+              <a:avLst/>
+            </a:prstGeom>
+          </p:spPr>
+        </p:pic>
+        <p:pic>
+          <p:nvPicPr>
+            <p:cNvPr id="23" name="图片 22">
+              <a:extLst>
+                <a:ext uri="{FF2B5EF4-FFF2-40B4-BE49-F238E27FC236}">
+                  <a16:creationId xmlns:a16="http://schemas.microsoft.com/office/drawing/2014/main" id="{4D10176D-A5F5-4306-A4FC-F8A53BFED3C0}"/>
+                </a:ext>
+              </a:extLst>
+            </p:cNvPr>
+            <p:cNvPicPr>
+              <a:picLocks noChangeAspect="1"/>
+            </p:cNvPicPr>
+            <p:nvPr/>
+          </p:nvPicPr>
+          <p:blipFill>
+            <a:blip r:embed="rId5">
+              <a:extLst>
+                <a:ext uri="{28A0092B-C50C-407E-A947-70E740481C1C}">
+                  <a14:useLocalDpi xmlns:a14="http://schemas.microsoft.com/office/drawing/2010/main" val="0"/>
+                </a:ext>
+              </a:extLst>
+            </a:blip>
+            <a:stretch>
+              <a:fillRect/>
+            </a:stretch>
+          </p:blipFill>
+          <p:spPr>
+            <a:xfrm>
+              <a:off x="4115812" y="422925"/>
+              <a:ext cx="472059" cy="472059"/>
+            </a:xfrm>
+            <a:prstGeom prst="rect">
+              <a:avLst/>
+            </a:prstGeom>
+          </p:spPr>
+        </p:pic>
+        <p:grpSp>
+          <p:nvGrpSpPr>
+            <p:cNvPr id="19" name="组合 18">
+              <a:extLst>
+                <a:ext uri="{FF2B5EF4-FFF2-40B4-BE49-F238E27FC236}">
+                  <a16:creationId xmlns:a16="http://schemas.microsoft.com/office/drawing/2014/main" id="{0DFF627B-4C5F-4127-8074-91D7DF42D022}"/>
+                </a:ext>
+              </a:extLst>
+            </p:cNvPr>
+            <p:cNvGrpSpPr/>
+            <p:nvPr/>
+          </p:nvGrpSpPr>
+          <p:grpSpPr>
+            <a:xfrm>
+              <a:off x="5466810" y="3451608"/>
+              <a:ext cx="253378" cy="688592"/>
+              <a:chOff x="5466810" y="3451608"/>
+              <a:chExt cx="253378" cy="914400"/>
+            </a:xfrm>
+          </p:grpSpPr>
+          <p:cxnSp>
+            <p:nvCxnSpPr>
+              <p:cNvPr id="59" name="直接连接符 58">
+                <a:extLst>
+                  <a:ext uri="{FF2B5EF4-FFF2-40B4-BE49-F238E27FC236}">
+                    <a16:creationId xmlns:a16="http://schemas.microsoft.com/office/drawing/2014/main" id="{554D8D14-D48D-45F6-89A6-634C964B8AE8}"/>
+                  </a:ext>
+                </a:extLst>
+              </p:cNvPr>
+              <p:cNvCxnSpPr>
+                <a:cxnSpLocks/>
+              </p:cNvCxnSpPr>
+              <p:nvPr/>
+            </p:nvCxnSpPr>
+            <p:spPr>
+              <a:xfrm rot="16200000">
+                <a:off x="5262988" y="3908808"/>
+                <a:ext cx="914400" cy="0"/>
+              </a:xfrm>
+              <a:prstGeom prst="line">
+                <a:avLst/>
+              </a:prstGeom>
+              <a:ln w="9525" cap="flat" cmpd="sng" algn="ctr">
+                <a:solidFill>
+                  <a:schemeClr val="accent3"/>
+                </a:solidFill>
+                <a:prstDash val="dash"/>
+                <a:round/>
+                <a:headEnd type="none" w="med" len="med"/>
+                <a:tailEnd type="none" w="med" len="med"/>
+              </a:ln>
+            </p:spPr>
+            <p:style>
+              <a:lnRef idx="0">
+                <a:scrgbClr r="0" g="0" b="0"/>
+              </a:lnRef>
+              <a:fillRef idx="0">
+                <a:scrgbClr r="0" g="0" b="0"/>
+              </a:fillRef>
+              <a:effectRef idx="0">
+                <a:scrgbClr r="0" g="0" b="0"/>
+              </a:effectRef>
+              <a:fontRef idx="minor">
+                <a:schemeClr val="tx1"/>
+              </a:fontRef>
+            </p:style>
+          </p:cxnSp>
+          <p:cxnSp>
+            <p:nvCxnSpPr>
+              <p:cNvPr id="62" name="直接连接符 61">
+                <a:extLst>
+                  <a:ext uri="{FF2B5EF4-FFF2-40B4-BE49-F238E27FC236}">
+                    <a16:creationId xmlns:a16="http://schemas.microsoft.com/office/drawing/2014/main" id="{71513585-2402-4773-B202-B5A94B9B4E68}"/>
+                  </a:ext>
+                </a:extLst>
+              </p:cNvPr>
+              <p:cNvCxnSpPr>
+                <a:cxnSpLocks/>
+              </p:cNvCxnSpPr>
+              <p:nvPr/>
+            </p:nvCxnSpPr>
+            <p:spPr>
+              <a:xfrm rot="16200000">
+                <a:off x="5009610" y="3908808"/>
+                <a:ext cx="914400" cy="0"/>
+              </a:xfrm>
+              <a:prstGeom prst="line">
+                <a:avLst/>
+              </a:prstGeom>
+              <a:ln w="9525" cap="flat" cmpd="sng" algn="ctr">
+                <a:solidFill>
+                  <a:schemeClr val="accent3"/>
+                </a:solidFill>
+                <a:prstDash val="dash"/>
+                <a:round/>
+                <a:headEnd type="none" w="med" len="med"/>
+                <a:tailEnd type="none" w="med" len="med"/>
+              </a:ln>
+            </p:spPr>
+            <p:style>
+              <a:lnRef idx="0">
+                <a:scrgbClr r="0" g="0" b="0"/>
+              </a:lnRef>
+              <a:fillRef idx="0">
+                <a:scrgbClr r="0" g="0" b="0"/>
+              </a:fillRef>
+              <a:effectRef idx="0">
+                <a:scrgbClr r="0" g="0" b="0"/>
+              </a:effectRef>
+              <a:fontRef idx="minor">
+                <a:schemeClr val="tx1"/>
+              </a:fontRef>
+            </p:style>
+          </p:cxnSp>
+          <p:cxnSp>
+            <p:nvCxnSpPr>
+              <p:cNvPr id="64" name="直接连接符 63">
+                <a:extLst>
+                  <a:ext uri="{FF2B5EF4-FFF2-40B4-BE49-F238E27FC236}">
+                    <a16:creationId xmlns:a16="http://schemas.microsoft.com/office/drawing/2014/main" id="{F11B205F-0707-4A55-ACA4-3B1022C2AD5E}"/>
+                  </a:ext>
+                </a:extLst>
+              </p:cNvPr>
+              <p:cNvCxnSpPr>
+                <a:cxnSpLocks/>
+              </p:cNvCxnSpPr>
+              <p:nvPr/>
+            </p:nvCxnSpPr>
+            <p:spPr>
+              <a:xfrm rot="16200000">
+                <a:off x="5094069" y="3908808"/>
+                <a:ext cx="914400" cy="0"/>
+              </a:xfrm>
+              <a:prstGeom prst="line">
+                <a:avLst/>
+              </a:prstGeom>
+              <a:ln w="9525" cap="flat" cmpd="sng" algn="ctr">
+                <a:solidFill>
+                  <a:schemeClr val="accent3"/>
+                </a:solidFill>
+                <a:prstDash val="dash"/>
+                <a:round/>
+                <a:headEnd type="none" w="med" len="med"/>
+                <a:tailEnd type="none" w="med" len="med"/>
+              </a:ln>
+            </p:spPr>
+            <p:style>
+              <a:lnRef idx="0">
+                <a:scrgbClr r="0" g="0" b="0"/>
+              </a:lnRef>
+              <a:fillRef idx="0">
+                <a:scrgbClr r="0" g="0" b="0"/>
+              </a:fillRef>
+              <a:effectRef idx="0">
+                <a:scrgbClr r="0" g="0" b="0"/>
+              </a:effectRef>
+              <a:fontRef idx="minor">
+                <a:schemeClr val="tx1"/>
+              </a:fontRef>
+            </p:style>
+          </p:cxnSp>
+          <p:cxnSp>
+            <p:nvCxnSpPr>
+              <p:cNvPr id="69" name="直接连接符 68">
+                <a:extLst>
+                  <a:ext uri="{FF2B5EF4-FFF2-40B4-BE49-F238E27FC236}">
+                    <a16:creationId xmlns:a16="http://schemas.microsoft.com/office/drawing/2014/main" id="{C23963EC-181B-4C8C-91B5-30994438B94F}"/>
+                  </a:ext>
+                </a:extLst>
+              </p:cNvPr>
+              <p:cNvCxnSpPr>
+                <a:cxnSpLocks/>
+              </p:cNvCxnSpPr>
+              <p:nvPr/>
+            </p:nvCxnSpPr>
+            <p:spPr>
+              <a:xfrm rot="16200000">
+                <a:off x="5178529" y="3908808"/>
+                <a:ext cx="914400" cy="0"/>
+              </a:xfrm>
+              <a:prstGeom prst="line">
+                <a:avLst/>
+              </a:prstGeom>
+              <a:ln w="9525" cap="flat" cmpd="sng" algn="ctr">
+                <a:solidFill>
+                  <a:schemeClr val="accent3"/>
+                </a:solidFill>
+                <a:prstDash val="dash"/>
+                <a:round/>
+                <a:headEnd type="none" w="med" len="med"/>
+                <a:tailEnd type="none" w="med" len="med"/>
+              </a:ln>
+            </p:spPr>
+            <p:style>
+              <a:lnRef idx="0">
+                <a:scrgbClr r="0" g="0" b="0"/>
+              </a:lnRef>
+              <a:fillRef idx="0">
+                <a:scrgbClr r="0" g="0" b="0"/>
+              </a:fillRef>
+              <a:effectRef idx="0">
+                <a:scrgbClr r="0" g="0" b="0"/>
+              </a:effectRef>
+              <a:fontRef idx="minor">
+                <a:schemeClr val="tx1"/>
+              </a:fontRef>
+            </p:style>
+          </p:cxnSp>
+        </p:grpSp>
+        <p:pic>
+          <p:nvPicPr>
+            <p:cNvPr id="48" name="图片 47">
+              <a:extLst>
+                <a:ext uri="{FF2B5EF4-FFF2-40B4-BE49-F238E27FC236}">
+                  <a16:creationId xmlns:a16="http://schemas.microsoft.com/office/drawing/2014/main" id="{6A1EF724-C083-4718-B12B-ADE4CD6E6593}"/>
+                </a:ext>
+              </a:extLst>
+            </p:cNvPr>
+            <p:cNvPicPr>
+              <a:picLocks noChangeAspect="1"/>
+            </p:cNvPicPr>
+            <p:nvPr/>
+          </p:nvPicPr>
+          <p:blipFill>
+            <a:blip r:embed="rId6">
+              <a:extLst>
+                <a:ext uri="{28A0092B-C50C-407E-A947-70E740481C1C}">
+                  <a14:useLocalDpi xmlns:a14="http://schemas.microsoft.com/office/drawing/2010/main" val="0"/>
+                </a:ext>
+              </a:extLst>
+            </a:blip>
+            <a:stretch>
+              <a:fillRect/>
+            </a:stretch>
+          </p:blipFill>
+          <p:spPr>
+            <a:xfrm>
+              <a:off x="5100966" y="4417241"/>
+              <a:ext cx="476250" cy="476250"/>
+            </a:xfrm>
+            <a:prstGeom prst="rect">
+              <a:avLst/>
+            </a:prstGeom>
+          </p:spPr>
+        </p:pic>
+        <p:pic>
+          <p:nvPicPr>
+            <p:cNvPr id="51" name="图片 50">
+              <a:extLst>
+                <a:ext uri="{FF2B5EF4-FFF2-40B4-BE49-F238E27FC236}">
+                  <a16:creationId xmlns:a16="http://schemas.microsoft.com/office/drawing/2014/main" id="{B4A0FEB6-8C80-4A2D-A4DA-3DD6CF6BF267}"/>
+                </a:ext>
+              </a:extLst>
+            </p:cNvPr>
+            <p:cNvPicPr>
+              <a:picLocks noChangeAspect="1"/>
+            </p:cNvPicPr>
+            <p:nvPr/>
+          </p:nvPicPr>
+          <p:blipFill>
+            <a:blip r:embed="rId7">
+              <a:extLst>
+                <a:ext uri="{28A0092B-C50C-407E-A947-70E740481C1C}">
+                  <a14:useLocalDpi xmlns:a14="http://schemas.microsoft.com/office/drawing/2010/main" val="0"/>
+                </a:ext>
+              </a:extLst>
+            </a:blip>
+            <a:stretch>
+              <a:fillRect/>
+            </a:stretch>
+          </p:blipFill>
+          <p:spPr>
+            <a:xfrm>
+              <a:off x="4630907" y="4417241"/>
+              <a:ext cx="476250" cy="476250"/>
+            </a:xfrm>
+            <a:prstGeom prst="rect">
+              <a:avLst/>
+            </a:prstGeom>
+          </p:spPr>
+        </p:pic>
+        <p:pic>
+          <p:nvPicPr>
+            <p:cNvPr id="53" name="图片 52">
+              <a:extLst>
+                <a:ext uri="{FF2B5EF4-FFF2-40B4-BE49-F238E27FC236}">
+                  <a16:creationId xmlns:a16="http://schemas.microsoft.com/office/drawing/2014/main" id="{F5F78553-6083-4B94-9258-235169F8D486}"/>
+                </a:ext>
+              </a:extLst>
+            </p:cNvPr>
+            <p:cNvPicPr>
+              <a:picLocks noChangeAspect="1"/>
+            </p:cNvPicPr>
+            <p:nvPr/>
+          </p:nvPicPr>
+          <p:blipFill>
+            <a:blip r:embed="rId8">
+              <a:extLst>
+                <a:ext uri="{28A0092B-C50C-407E-A947-70E740481C1C}">
+                  <a14:useLocalDpi xmlns:a14="http://schemas.microsoft.com/office/drawing/2010/main" val="0"/>
+                </a:ext>
+              </a:extLst>
+            </a:blip>
+            <a:stretch>
+              <a:fillRect/>
+            </a:stretch>
+          </p:blipFill>
+          <p:spPr>
+            <a:xfrm>
+              <a:off x="6041083" y="4417241"/>
+              <a:ext cx="476250" cy="476250"/>
+            </a:xfrm>
+            <a:prstGeom prst="rect">
+              <a:avLst/>
+            </a:prstGeom>
+          </p:spPr>
+        </p:pic>
+        <p:pic>
+          <p:nvPicPr>
+            <p:cNvPr id="55" name="图片 54">
+              <a:extLst>
+                <a:ext uri="{FF2B5EF4-FFF2-40B4-BE49-F238E27FC236}">
+                  <a16:creationId xmlns:a16="http://schemas.microsoft.com/office/drawing/2014/main" id="{78F94C4E-FBEE-4618-B471-EC4E70DB63F7}"/>
+                </a:ext>
+              </a:extLst>
+            </p:cNvPr>
+            <p:cNvPicPr>
+              <a:picLocks noChangeAspect="1"/>
+            </p:cNvPicPr>
+            <p:nvPr/>
+          </p:nvPicPr>
+          <p:blipFill>
+            <a:blip r:embed="rId9">
+              <a:extLst>
+                <a:ext uri="{28A0092B-C50C-407E-A947-70E740481C1C}">
+                  <a14:useLocalDpi xmlns:a14="http://schemas.microsoft.com/office/drawing/2010/main" val="0"/>
+                </a:ext>
+              </a:extLst>
+            </a:blip>
+            <a:stretch>
+              <a:fillRect/>
+            </a:stretch>
+          </p:blipFill>
+          <p:spPr>
+            <a:xfrm>
+              <a:off x="5571025" y="4417241"/>
+              <a:ext cx="476250" cy="476250"/>
+            </a:xfrm>
+            <a:prstGeom prst="rect">
+              <a:avLst/>
+            </a:prstGeom>
+          </p:spPr>
+        </p:pic>
+        <p:sp>
+          <p:nvSpPr>
+            <p:cNvPr id="3" name="文本框 2">
+              <a:extLst>
+                <a:ext uri="{FF2B5EF4-FFF2-40B4-BE49-F238E27FC236}">
+                  <a16:creationId xmlns:a16="http://schemas.microsoft.com/office/drawing/2014/main" id="{9C228E4C-FD9F-45F3-A7CA-3381311E8231}"/>
+                </a:ext>
+              </a:extLst>
+            </p:cNvPr>
+            <p:cNvSpPr txBox="1"/>
+            <p:nvPr/>
+          </p:nvSpPr>
+          <p:spPr>
+            <a:xfrm>
+              <a:off x="2702335" y="975230"/>
+              <a:ext cx="970202" cy="369332"/>
+            </a:xfrm>
+            <a:prstGeom prst="rect">
+              <a:avLst/>
+            </a:prstGeom>
+            <a:noFill/>
+          </p:spPr>
+          <p:txBody>
+            <a:bodyPr wrap="none" rtlCol="0">
+              <a:spAutoFit/>
+            </a:bodyPr>
+            <a:lstStyle/>
+            <a:p>
+              <a:r>
+                <a:rPr lang="en-US">
+                  <a:solidFill>
+                    <a:schemeClr val="bg2">
+                      <a:lumMod val="75000"/>
+                    </a:schemeClr>
+                  </a:solidFill>
+                </a:rPr>
+                <a:t>Switch 1</a:t>
+              </a:r>
+            </a:p>
+          </p:txBody>
+        </p:sp>
+        <p:sp>
+          <p:nvSpPr>
+            <p:cNvPr id="49" name="文本框 48">
+              <a:extLst>
+                <a:ext uri="{FF2B5EF4-FFF2-40B4-BE49-F238E27FC236}">
+                  <a16:creationId xmlns:a16="http://schemas.microsoft.com/office/drawing/2014/main" id="{48764847-7757-4891-8572-66D46F13287F}"/>
+                </a:ext>
+              </a:extLst>
+            </p:cNvPr>
+            <p:cNvSpPr txBox="1"/>
+            <p:nvPr/>
+          </p:nvSpPr>
+          <p:spPr>
+            <a:xfrm>
+              <a:off x="4496608" y="975230"/>
+              <a:ext cx="970202" cy="369332"/>
+            </a:xfrm>
+            <a:prstGeom prst="rect">
+              <a:avLst/>
+            </a:prstGeom>
+            <a:noFill/>
+          </p:spPr>
+          <p:txBody>
+            <a:bodyPr wrap="none" rtlCol="0">
+              <a:spAutoFit/>
+            </a:bodyPr>
+            <a:lstStyle/>
+            <a:p>
+              <a:r>
+                <a:rPr lang="en-US">
+                  <a:solidFill>
+                    <a:schemeClr val="bg2">
+                      <a:lumMod val="75000"/>
+                    </a:schemeClr>
+                  </a:solidFill>
+                </a:rPr>
+                <a:t>Switch 2</a:t>
+              </a:r>
+            </a:p>
+          </p:txBody>
+        </p:sp>
+        <p:cxnSp>
+          <p:nvCxnSpPr>
+            <p:cNvPr id="22" name="直接连接符 21">
+              <a:extLst>
+                <a:ext uri="{FF2B5EF4-FFF2-40B4-BE49-F238E27FC236}">
+                  <a16:creationId xmlns:a16="http://schemas.microsoft.com/office/drawing/2014/main" id="{57F7F7D1-C84D-46D2-B6AC-081A7A87E617}"/>
+                </a:ext>
+              </a:extLst>
+            </p:cNvPr>
+            <p:cNvCxnSpPr>
+              <a:cxnSpLocks/>
+              <a:stCxn id="51" idx="0"/>
+            </p:cNvCxnSpPr>
+            <p:nvPr/>
+          </p:nvCxnSpPr>
+          <p:spPr>
+            <a:xfrm flipV="1">
+              <a:off x="4869032" y="4140200"/>
+              <a:ext cx="597778" cy="277041"/>
+            </a:xfrm>
+            <a:prstGeom prst="line">
+              <a:avLst/>
+            </a:prstGeom>
+            <a:ln w="9525">
+              <a:solidFill>
+                <a:schemeClr val="bg1">
+                  <a:lumMod val="65000"/>
+                </a:schemeClr>
+              </a:solidFill>
+              <a:prstDash val="lgDash"/>
+            </a:ln>
+          </p:spPr>
+          <p:style>
+            <a:lnRef idx="1">
+              <a:schemeClr val="accent1"/>
+            </a:lnRef>
+            <a:fillRef idx="0">
+              <a:schemeClr val="accent1"/>
+            </a:fillRef>
+            <a:effectRef idx="0">
+              <a:schemeClr val="accent1"/>
+            </a:effectRef>
+            <a:fontRef idx="minor">
+              <a:schemeClr val="tx1"/>
+            </a:fontRef>
+          </p:style>
+        </p:cxnSp>
+        <p:cxnSp>
+          <p:nvCxnSpPr>
+            <p:cNvPr id="25" name="直接连接符 24">
+              <a:extLst>
+                <a:ext uri="{FF2B5EF4-FFF2-40B4-BE49-F238E27FC236}">
+                  <a16:creationId xmlns:a16="http://schemas.microsoft.com/office/drawing/2014/main" id="{D22233C2-0983-41B6-8349-34A6EFF44829}"/>
+                </a:ext>
+              </a:extLst>
+            </p:cNvPr>
+            <p:cNvCxnSpPr/>
+            <p:nvPr/>
+          </p:nvCxnSpPr>
+          <p:spPr>
+            <a:xfrm flipV="1">
+              <a:off x="5362575" y="4140200"/>
+              <a:ext cx="188694" cy="277041"/>
+            </a:xfrm>
+            <a:prstGeom prst="line">
+              <a:avLst/>
+            </a:prstGeom>
+            <a:ln w="9525">
+              <a:solidFill>
+                <a:schemeClr val="bg1">
+                  <a:lumMod val="65000"/>
+                </a:schemeClr>
+              </a:solidFill>
+              <a:prstDash val="lgDash"/>
+            </a:ln>
+          </p:spPr>
+          <p:style>
+            <a:lnRef idx="1">
+              <a:schemeClr val="accent1"/>
+            </a:lnRef>
+            <a:fillRef idx="0">
+              <a:schemeClr val="accent1"/>
+            </a:fillRef>
+            <a:effectRef idx="0">
+              <a:schemeClr val="accent1"/>
+            </a:effectRef>
+            <a:fontRef idx="minor">
+              <a:schemeClr val="tx1"/>
+            </a:fontRef>
+          </p:style>
+        </p:cxnSp>
+        <p:cxnSp>
+          <p:nvCxnSpPr>
+            <p:cNvPr id="32" name="直接连接符 31">
+              <a:extLst>
+                <a:ext uri="{FF2B5EF4-FFF2-40B4-BE49-F238E27FC236}">
+                  <a16:creationId xmlns:a16="http://schemas.microsoft.com/office/drawing/2014/main" id="{9FD1D243-6CAC-489C-9465-44CD34A26D85}"/>
+                </a:ext>
+              </a:extLst>
+            </p:cNvPr>
+            <p:cNvCxnSpPr>
+              <a:cxnSpLocks/>
+              <a:stCxn id="55" idx="0"/>
+            </p:cNvCxnSpPr>
+            <p:nvPr/>
+          </p:nvCxnSpPr>
+          <p:spPr>
+            <a:xfrm flipH="1" flipV="1">
+              <a:off x="5635729" y="4140200"/>
+              <a:ext cx="173421" cy="277041"/>
+            </a:xfrm>
+            <a:prstGeom prst="line">
+              <a:avLst/>
+            </a:prstGeom>
+            <a:ln w="9525">
+              <a:solidFill>
+                <a:schemeClr val="bg1">
+                  <a:lumMod val="65000"/>
+                </a:schemeClr>
+              </a:solidFill>
+              <a:prstDash val="lgDash"/>
+            </a:ln>
+          </p:spPr>
+          <p:style>
+            <a:lnRef idx="1">
+              <a:schemeClr val="accent1"/>
+            </a:lnRef>
+            <a:fillRef idx="0">
+              <a:schemeClr val="accent1"/>
+            </a:fillRef>
+            <a:effectRef idx="0">
+              <a:schemeClr val="accent1"/>
+            </a:effectRef>
+            <a:fontRef idx="minor">
+              <a:schemeClr val="tx1"/>
+            </a:fontRef>
+          </p:style>
+        </p:cxnSp>
+        <p:cxnSp>
+          <p:nvCxnSpPr>
+            <p:cNvPr id="38" name="直接连接符 37">
+              <a:extLst>
+                <a:ext uri="{FF2B5EF4-FFF2-40B4-BE49-F238E27FC236}">
+                  <a16:creationId xmlns:a16="http://schemas.microsoft.com/office/drawing/2014/main" id="{E1A31560-3814-4695-A2FD-7B69AB6DB3FF}"/>
+                </a:ext>
+              </a:extLst>
+            </p:cNvPr>
+            <p:cNvCxnSpPr>
+              <a:stCxn id="53" idx="0"/>
+            </p:cNvCxnSpPr>
+            <p:nvPr/>
+          </p:nvCxnSpPr>
+          <p:spPr>
+            <a:xfrm flipH="1" flipV="1">
+              <a:off x="5720188" y="4140200"/>
+              <a:ext cx="559020" cy="277041"/>
+            </a:xfrm>
+            <a:prstGeom prst="line">
+              <a:avLst/>
+            </a:prstGeom>
+            <a:ln w="9525">
+              <a:solidFill>
+                <a:schemeClr val="bg1">
+                  <a:lumMod val="65000"/>
+                </a:schemeClr>
+              </a:solidFill>
+              <a:prstDash val="lgDash"/>
+            </a:ln>
+          </p:spPr>
+          <p:style>
+            <a:lnRef idx="1">
+              <a:schemeClr val="accent1"/>
+            </a:lnRef>
+            <a:fillRef idx="0">
+              <a:schemeClr val="accent1"/>
+            </a:fillRef>
+            <a:effectRef idx="0">
+              <a:schemeClr val="accent1"/>
+            </a:effectRef>
+            <a:fontRef idx="minor">
+              <a:schemeClr val="tx1"/>
+            </a:fontRef>
+          </p:style>
+        </p:cxnSp>
+        <p:sp>
+          <p:nvSpPr>
+            <p:cNvPr id="68" name="文本框 67">
+              <a:extLst>
+                <a:ext uri="{FF2B5EF4-FFF2-40B4-BE49-F238E27FC236}">
+                  <a16:creationId xmlns:a16="http://schemas.microsoft.com/office/drawing/2014/main" id="{04A18177-FBB8-44A6-840A-E9BFCB32658B}"/>
+                </a:ext>
+              </a:extLst>
+            </p:cNvPr>
+            <p:cNvSpPr txBox="1"/>
+            <p:nvPr/>
+          </p:nvSpPr>
+          <p:spPr>
+            <a:xfrm>
+              <a:off x="5635729" y="976282"/>
+              <a:ext cx="970202" cy="369332"/>
+            </a:xfrm>
+            <a:prstGeom prst="rect">
+              <a:avLst/>
+            </a:prstGeom>
+            <a:noFill/>
+          </p:spPr>
+          <p:txBody>
+            <a:bodyPr wrap="none" rtlCol="0">
+              <a:spAutoFit/>
+            </a:bodyPr>
+            <a:lstStyle/>
+            <a:p>
+              <a:r>
+                <a:rPr lang="en-US">
+                  <a:solidFill>
+                    <a:schemeClr val="bg2">
+                      <a:lumMod val="75000"/>
+                    </a:schemeClr>
+                  </a:solidFill>
+                </a:rPr>
+                <a:t>Switch 3</a:t>
+              </a:r>
+            </a:p>
+          </p:txBody>
+        </p:sp>
+        <p:sp>
+          <p:nvSpPr>
+            <p:cNvPr id="70" name="文本框 69">
+              <a:extLst>
+                <a:ext uri="{FF2B5EF4-FFF2-40B4-BE49-F238E27FC236}">
+                  <a16:creationId xmlns:a16="http://schemas.microsoft.com/office/drawing/2014/main" id="{85036A60-7A67-4633-B090-07ABEBCA082A}"/>
+                </a:ext>
+              </a:extLst>
+            </p:cNvPr>
+            <p:cNvSpPr txBox="1"/>
+            <p:nvPr/>
+          </p:nvSpPr>
+          <p:spPr>
+            <a:xfrm>
+              <a:off x="6774850" y="983420"/>
+              <a:ext cx="970202" cy="369332"/>
+            </a:xfrm>
+            <a:prstGeom prst="rect">
+              <a:avLst/>
+            </a:prstGeom>
+            <a:noFill/>
+          </p:spPr>
+          <p:txBody>
+            <a:bodyPr wrap="none" rtlCol="0">
+              <a:spAutoFit/>
+            </a:bodyPr>
+            <a:lstStyle/>
+            <a:p>
+              <a:r>
+                <a:rPr lang="en-US">
+                  <a:solidFill>
+                    <a:schemeClr val="bg2">
+                      <a:lumMod val="75000"/>
+                    </a:schemeClr>
+                  </a:solidFill>
+                </a:rPr>
+                <a:t>Switch 4</a:t>
+              </a:r>
+            </a:p>
+          </p:txBody>
+        </p:sp>
+        <p:cxnSp>
+          <p:nvCxnSpPr>
+            <p:cNvPr id="40" name="直接连接符 39">
+              <a:extLst>
+                <a:ext uri="{FF2B5EF4-FFF2-40B4-BE49-F238E27FC236}">
+                  <a16:creationId xmlns:a16="http://schemas.microsoft.com/office/drawing/2014/main" id="{22FA7ED2-731A-4A9F-BFF0-E9A487A90078}"/>
+                </a:ext>
+              </a:extLst>
+            </p:cNvPr>
+            <p:cNvCxnSpPr/>
+            <p:nvPr/>
+          </p:nvCxnSpPr>
+          <p:spPr>
+            <a:xfrm flipV="1">
+              <a:off x="3628087" y="894984"/>
+              <a:ext cx="0" cy="730616"/>
+            </a:xfrm>
+            <a:prstGeom prst="line">
+              <a:avLst/>
+            </a:prstGeom>
+            <a:ln w="9525">
+              <a:solidFill>
+                <a:schemeClr val="bg1">
+                  <a:lumMod val="65000"/>
+                </a:schemeClr>
+              </a:solidFill>
+              <a:prstDash val="lgDash"/>
+            </a:ln>
+          </p:spPr>
+          <p:style>
+            <a:lnRef idx="1">
+              <a:schemeClr val="accent1"/>
+            </a:lnRef>
+            <a:fillRef idx="0">
+              <a:schemeClr val="accent1"/>
+            </a:fillRef>
+            <a:effectRef idx="0">
+              <a:schemeClr val="accent1"/>
+            </a:effectRef>
+            <a:fontRef idx="minor">
+              <a:schemeClr val="tx1"/>
+            </a:fontRef>
+          </p:style>
+        </p:cxnSp>
+        <p:cxnSp>
+          <p:nvCxnSpPr>
+            <p:cNvPr id="71" name="直接连接符 70">
+              <a:extLst>
+                <a:ext uri="{FF2B5EF4-FFF2-40B4-BE49-F238E27FC236}">
+                  <a16:creationId xmlns:a16="http://schemas.microsoft.com/office/drawing/2014/main" id="{AB2D8C63-B73E-4443-9D5B-7138B47F2D3A}"/>
+                </a:ext>
+              </a:extLst>
+            </p:cNvPr>
+            <p:cNvCxnSpPr/>
+            <p:nvPr/>
+          </p:nvCxnSpPr>
+          <p:spPr>
+            <a:xfrm flipV="1">
+              <a:off x="3894787" y="894984"/>
+              <a:ext cx="0" cy="730616"/>
+            </a:xfrm>
+            <a:prstGeom prst="line">
+              <a:avLst/>
+            </a:prstGeom>
+            <a:ln w="9525">
+              <a:solidFill>
+                <a:schemeClr val="bg1">
+                  <a:lumMod val="65000"/>
+                </a:schemeClr>
+              </a:solidFill>
+              <a:prstDash val="lgDash"/>
+            </a:ln>
+          </p:spPr>
+          <p:style>
+            <a:lnRef idx="1">
+              <a:schemeClr val="accent1"/>
+            </a:lnRef>
+            <a:fillRef idx="0">
+              <a:schemeClr val="accent1"/>
+            </a:fillRef>
+            <a:effectRef idx="0">
+              <a:schemeClr val="accent1"/>
+            </a:effectRef>
+            <a:fontRef idx="minor">
+              <a:schemeClr val="tx1"/>
+            </a:fontRef>
+          </p:style>
+        </p:cxnSp>
+        <p:cxnSp>
+          <p:nvCxnSpPr>
+            <p:cNvPr id="72" name="直接连接符 71">
+              <a:extLst>
+                <a:ext uri="{FF2B5EF4-FFF2-40B4-BE49-F238E27FC236}">
+                  <a16:creationId xmlns:a16="http://schemas.microsoft.com/office/drawing/2014/main" id="{693798F2-DA27-4C98-86A3-FC188DC2D98A}"/>
+                </a:ext>
+              </a:extLst>
+            </p:cNvPr>
+            <p:cNvCxnSpPr/>
+            <p:nvPr/>
+          </p:nvCxnSpPr>
+          <p:spPr>
+            <a:xfrm flipV="1">
+              <a:off x="4144596" y="894984"/>
+              <a:ext cx="0" cy="730616"/>
+            </a:xfrm>
+            <a:prstGeom prst="line">
+              <a:avLst/>
+            </a:prstGeom>
+            <a:ln w="9525">
+              <a:solidFill>
+                <a:schemeClr val="bg1">
+                  <a:lumMod val="65000"/>
+                </a:schemeClr>
+              </a:solidFill>
+              <a:prstDash val="lgDash"/>
+            </a:ln>
+          </p:spPr>
+          <p:style>
+            <a:lnRef idx="1">
+              <a:schemeClr val="accent1"/>
+            </a:lnRef>
+            <a:fillRef idx="0">
+              <a:schemeClr val="accent1"/>
+            </a:fillRef>
+            <a:effectRef idx="0">
+              <a:schemeClr val="accent1"/>
+            </a:effectRef>
+            <a:fontRef idx="minor">
+              <a:schemeClr val="tx1"/>
+            </a:fontRef>
+          </p:style>
+        </p:cxnSp>
+      </p:grpSp>
       <p:sp>
         <p:nvSpPr>
           <p:cNvPr id="5" name="文本框 4">
@@ -12231,7 +13027,7 @@
         </p:nvSpPr>
         <p:spPr>
           <a:xfrm>
-            <a:off x="1230578" y="5006250"/>
+            <a:off x="1384479" y="5504179"/>
             <a:ext cx="5489118" cy="2267287"/>
           </a:xfrm>
           <a:prstGeom prst="rect">
@@ -12390,7 +13186,7 @@
         </p:blipFill>
         <p:spPr>
           <a:xfrm>
-            <a:off x="6413322" y="5157181"/>
+            <a:off x="6413322" y="5582688"/>
             <a:ext cx="265176" cy="265176"/>
           </a:xfrm>
           <a:prstGeom prst="rect">
@@ -12426,7 +13222,7 @@
         </p:blipFill>
         <p:spPr>
           <a:xfrm>
-            <a:off x="6413322" y="5469804"/>
+            <a:off x="6413322" y="5895311"/>
             <a:ext cx="265176" cy="265176"/>
           </a:xfrm>
           <a:prstGeom prst="rect">
@@ -12462,7 +13258,7 @@
         </p:blipFill>
         <p:spPr>
           <a:xfrm>
-            <a:off x="6413322" y="5782427"/>
+            <a:off x="6413322" y="6207934"/>
             <a:ext cx="265176" cy="265176"/>
           </a:xfrm>
           <a:prstGeom prst="rect">
@@ -12484,7 +13280,7 @@
         </p:nvSpPr>
         <p:spPr>
           <a:xfrm>
-            <a:off x="6657254" y="5075201"/>
+            <a:off x="6657254" y="5500708"/>
             <a:ext cx="5358706" cy="1885131"/>
           </a:xfrm>
           <a:prstGeom prst="rect">
@@ -12608,7 +13404,7 @@
         </p:blipFill>
         <p:spPr>
           <a:xfrm>
-            <a:off x="961292" y="5383456"/>
+            <a:off x="1115193" y="5881385"/>
             <a:ext cx="284103" cy="266700"/>
           </a:xfrm>
           <a:prstGeom prst="rect">
@@ -12644,7 +13440,7 @@
         </p:blipFill>
         <p:spPr>
           <a:xfrm>
-            <a:off x="961292" y="5067151"/>
+            <a:off x="1115193" y="5565080"/>
             <a:ext cx="284103" cy="266700"/>
           </a:xfrm>
           <a:prstGeom prst="rect">
@@ -12680,7 +13476,7 @@
         </p:blipFill>
         <p:spPr>
           <a:xfrm>
-            <a:off x="961292" y="6016069"/>
+            <a:off x="1115193" y="6513998"/>
             <a:ext cx="284103" cy="266700"/>
           </a:xfrm>
           <a:prstGeom prst="rect">
@@ -12716,7 +13512,7 @@
         </p:blipFill>
         <p:spPr>
           <a:xfrm>
-            <a:off x="961292" y="5699763"/>
+            <a:off x="1115193" y="6197692"/>
             <a:ext cx="284103" cy="266700"/>
           </a:xfrm>
           <a:prstGeom prst="rect">
@@ -12724,839 +13520,6 @@
           </a:prstGeom>
         </p:spPr>
       </p:pic>
-      <p:grpSp>
-        <p:nvGrpSpPr>
-          <p:cNvPr id="19" name="组合 18">
-            <a:extLst>
-              <a:ext uri="{FF2B5EF4-FFF2-40B4-BE49-F238E27FC236}">
-                <a16:creationId xmlns:a16="http://schemas.microsoft.com/office/drawing/2014/main" id="{0DFF627B-4C5F-4127-8074-91D7DF42D022}"/>
-              </a:ext>
-            </a:extLst>
-          </p:cNvPr>
-          <p:cNvGrpSpPr/>
-          <p:nvPr/>
-        </p:nvGrpSpPr>
-        <p:grpSpPr>
-          <a:xfrm>
-            <a:off x="5466810" y="3451608"/>
-            <a:ext cx="253378" cy="688592"/>
-            <a:chOff x="5466810" y="3451608"/>
-            <a:chExt cx="253378" cy="914400"/>
-          </a:xfrm>
-        </p:grpSpPr>
-        <p:cxnSp>
-          <p:nvCxnSpPr>
-            <p:cNvPr id="59" name="直接连接符 58">
-              <a:extLst>
-                <a:ext uri="{FF2B5EF4-FFF2-40B4-BE49-F238E27FC236}">
-                  <a16:creationId xmlns:a16="http://schemas.microsoft.com/office/drawing/2014/main" id="{554D8D14-D48D-45F6-89A6-634C964B8AE8}"/>
-                </a:ext>
-              </a:extLst>
-            </p:cNvPr>
-            <p:cNvCxnSpPr>
-              <a:cxnSpLocks/>
-            </p:cNvCxnSpPr>
-            <p:nvPr/>
-          </p:nvCxnSpPr>
-          <p:spPr>
-            <a:xfrm rot="16200000">
-              <a:off x="5262988" y="3908808"/>
-              <a:ext cx="914400" cy="0"/>
-            </a:xfrm>
-            <a:prstGeom prst="line">
-              <a:avLst/>
-            </a:prstGeom>
-            <a:ln w="9525" cap="flat" cmpd="sng" algn="ctr">
-              <a:solidFill>
-                <a:schemeClr val="accent3"/>
-              </a:solidFill>
-              <a:prstDash val="dash"/>
-              <a:round/>
-              <a:headEnd type="none" w="med" len="med"/>
-              <a:tailEnd type="none" w="med" len="med"/>
-            </a:ln>
-          </p:spPr>
-          <p:style>
-            <a:lnRef idx="0">
-              <a:scrgbClr r="0" g="0" b="0"/>
-            </a:lnRef>
-            <a:fillRef idx="0">
-              <a:scrgbClr r="0" g="0" b="0"/>
-            </a:fillRef>
-            <a:effectRef idx="0">
-              <a:scrgbClr r="0" g="0" b="0"/>
-            </a:effectRef>
-            <a:fontRef idx="minor">
-              <a:schemeClr val="tx1"/>
-            </a:fontRef>
-          </p:style>
-        </p:cxnSp>
-        <p:cxnSp>
-          <p:nvCxnSpPr>
-            <p:cNvPr id="62" name="直接连接符 61">
-              <a:extLst>
-                <a:ext uri="{FF2B5EF4-FFF2-40B4-BE49-F238E27FC236}">
-                  <a16:creationId xmlns:a16="http://schemas.microsoft.com/office/drawing/2014/main" id="{71513585-2402-4773-B202-B5A94B9B4E68}"/>
-                </a:ext>
-              </a:extLst>
-            </p:cNvPr>
-            <p:cNvCxnSpPr>
-              <a:cxnSpLocks/>
-            </p:cNvCxnSpPr>
-            <p:nvPr/>
-          </p:nvCxnSpPr>
-          <p:spPr>
-            <a:xfrm rot="16200000">
-              <a:off x="5009610" y="3908808"/>
-              <a:ext cx="914400" cy="0"/>
-            </a:xfrm>
-            <a:prstGeom prst="line">
-              <a:avLst/>
-            </a:prstGeom>
-            <a:ln w="9525" cap="flat" cmpd="sng" algn="ctr">
-              <a:solidFill>
-                <a:schemeClr val="accent3"/>
-              </a:solidFill>
-              <a:prstDash val="dash"/>
-              <a:round/>
-              <a:headEnd type="none" w="med" len="med"/>
-              <a:tailEnd type="none" w="med" len="med"/>
-            </a:ln>
-          </p:spPr>
-          <p:style>
-            <a:lnRef idx="0">
-              <a:scrgbClr r="0" g="0" b="0"/>
-            </a:lnRef>
-            <a:fillRef idx="0">
-              <a:scrgbClr r="0" g="0" b="0"/>
-            </a:fillRef>
-            <a:effectRef idx="0">
-              <a:scrgbClr r="0" g="0" b="0"/>
-            </a:effectRef>
-            <a:fontRef idx="minor">
-              <a:schemeClr val="tx1"/>
-            </a:fontRef>
-          </p:style>
-        </p:cxnSp>
-        <p:cxnSp>
-          <p:nvCxnSpPr>
-            <p:cNvPr id="64" name="直接连接符 63">
-              <a:extLst>
-                <a:ext uri="{FF2B5EF4-FFF2-40B4-BE49-F238E27FC236}">
-                  <a16:creationId xmlns:a16="http://schemas.microsoft.com/office/drawing/2014/main" id="{F11B205F-0707-4A55-ACA4-3B1022C2AD5E}"/>
-                </a:ext>
-              </a:extLst>
-            </p:cNvPr>
-            <p:cNvCxnSpPr>
-              <a:cxnSpLocks/>
-            </p:cNvCxnSpPr>
-            <p:nvPr/>
-          </p:nvCxnSpPr>
-          <p:spPr>
-            <a:xfrm rot="16200000">
-              <a:off x="5094069" y="3908808"/>
-              <a:ext cx="914400" cy="0"/>
-            </a:xfrm>
-            <a:prstGeom prst="line">
-              <a:avLst/>
-            </a:prstGeom>
-            <a:ln w="9525" cap="flat" cmpd="sng" algn="ctr">
-              <a:solidFill>
-                <a:schemeClr val="accent3"/>
-              </a:solidFill>
-              <a:prstDash val="dash"/>
-              <a:round/>
-              <a:headEnd type="none" w="med" len="med"/>
-              <a:tailEnd type="none" w="med" len="med"/>
-            </a:ln>
-          </p:spPr>
-          <p:style>
-            <a:lnRef idx="0">
-              <a:scrgbClr r="0" g="0" b="0"/>
-            </a:lnRef>
-            <a:fillRef idx="0">
-              <a:scrgbClr r="0" g="0" b="0"/>
-            </a:fillRef>
-            <a:effectRef idx="0">
-              <a:scrgbClr r="0" g="0" b="0"/>
-            </a:effectRef>
-            <a:fontRef idx="minor">
-              <a:schemeClr val="tx1"/>
-            </a:fontRef>
-          </p:style>
-        </p:cxnSp>
-        <p:cxnSp>
-          <p:nvCxnSpPr>
-            <p:cNvPr id="69" name="直接连接符 68">
-              <a:extLst>
-                <a:ext uri="{FF2B5EF4-FFF2-40B4-BE49-F238E27FC236}">
-                  <a16:creationId xmlns:a16="http://schemas.microsoft.com/office/drawing/2014/main" id="{C23963EC-181B-4C8C-91B5-30994438B94F}"/>
-                </a:ext>
-              </a:extLst>
-            </p:cNvPr>
-            <p:cNvCxnSpPr>
-              <a:cxnSpLocks/>
-            </p:cNvCxnSpPr>
-            <p:nvPr/>
-          </p:nvCxnSpPr>
-          <p:spPr>
-            <a:xfrm rot="16200000">
-              <a:off x="5178529" y="3908808"/>
-              <a:ext cx="914400" cy="0"/>
-            </a:xfrm>
-            <a:prstGeom prst="line">
-              <a:avLst/>
-            </a:prstGeom>
-            <a:ln w="9525" cap="flat" cmpd="sng" algn="ctr">
-              <a:solidFill>
-                <a:schemeClr val="accent3"/>
-              </a:solidFill>
-              <a:prstDash val="dash"/>
-              <a:round/>
-              <a:headEnd type="none" w="med" len="med"/>
-              <a:tailEnd type="none" w="med" len="med"/>
-            </a:ln>
-          </p:spPr>
-          <p:style>
-            <a:lnRef idx="0">
-              <a:scrgbClr r="0" g="0" b="0"/>
-            </a:lnRef>
-            <a:fillRef idx="0">
-              <a:scrgbClr r="0" g="0" b="0"/>
-            </a:fillRef>
-            <a:effectRef idx="0">
-              <a:scrgbClr r="0" g="0" b="0"/>
-            </a:effectRef>
-            <a:fontRef idx="minor">
-              <a:schemeClr val="tx1"/>
-            </a:fontRef>
-          </p:style>
-        </p:cxnSp>
-      </p:grpSp>
-      <p:pic>
-        <p:nvPicPr>
-          <p:cNvPr id="48" name="图片 47">
-            <a:extLst>
-              <a:ext uri="{FF2B5EF4-FFF2-40B4-BE49-F238E27FC236}">
-                <a16:creationId xmlns:a16="http://schemas.microsoft.com/office/drawing/2014/main" id="{6A1EF724-C083-4718-B12B-ADE4CD6E6593}"/>
-              </a:ext>
-            </a:extLst>
-          </p:cNvPr>
-          <p:cNvPicPr>
-            <a:picLocks noChangeAspect="1"/>
-          </p:cNvPicPr>
-          <p:nvPr/>
-        </p:nvPicPr>
-        <p:blipFill>
-          <a:blip r:embed="rId6">
-            <a:extLst>
-              <a:ext uri="{28A0092B-C50C-407E-A947-70E740481C1C}">
-                <a14:useLocalDpi xmlns:a14="http://schemas.microsoft.com/office/drawing/2010/main" val="0"/>
-              </a:ext>
-            </a:extLst>
-          </a:blip>
-          <a:stretch>
-            <a:fillRect/>
-          </a:stretch>
-        </p:blipFill>
-        <p:spPr>
-          <a:xfrm>
-            <a:off x="5100966" y="4417241"/>
-            <a:ext cx="476250" cy="476250"/>
-          </a:xfrm>
-          <a:prstGeom prst="rect">
-            <a:avLst/>
-          </a:prstGeom>
-        </p:spPr>
-      </p:pic>
-      <p:pic>
-        <p:nvPicPr>
-          <p:cNvPr id="51" name="图片 50">
-            <a:extLst>
-              <a:ext uri="{FF2B5EF4-FFF2-40B4-BE49-F238E27FC236}">
-                <a16:creationId xmlns:a16="http://schemas.microsoft.com/office/drawing/2014/main" id="{B4A0FEB6-8C80-4A2D-A4DA-3DD6CF6BF267}"/>
-              </a:ext>
-            </a:extLst>
-          </p:cNvPr>
-          <p:cNvPicPr>
-            <a:picLocks noChangeAspect="1"/>
-          </p:cNvPicPr>
-          <p:nvPr/>
-        </p:nvPicPr>
-        <p:blipFill>
-          <a:blip r:embed="rId7">
-            <a:extLst>
-              <a:ext uri="{28A0092B-C50C-407E-A947-70E740481C1C}">
-                <a14:useLocalDpi xmlns:a14="http://schemas.microsoft.com/office/drawing/2010/main" val="0"/>
-              </a:ext>
-            </a:extLst>
-          </a:blip>
-          <a:stretch>
-            <a:fillRect/>
-          </a:stretch>
-        </p:blipFill>
-        <p:spPr>
-          <a:xfrm>
-            <a:off x="4630907" y="4417241"/>
-            <a:ext cx="476250" cy="476250"/>
-          </a:xfrm>
-          <a:prstGeom prst="rect">
-            <a:avLst/>
-          </a:prstGeom>
-        </p:spPr>
-      </p:pic>
-      <p:pic>
-        <p:nvPicPr>
-          <p:cNvPr id="53" name="图片 52">
-            <a:extLst>
-              <a:ext uri="{FF2B5EF4-FFF2-40B4-BE49-F238E27FC236}">
-                <a16:creationId xmlns:a16="http://schemas.microsoft.com/office/drawing/2014/main" id="{F5F78553-6083-4B94-9258-235169F8D486}"/>
-              </a:ext>
-            </a:extLst>
-          </p:cNvPr>
-          <p:cNvPicPr>
-            <a:picLocks noChangeAspect="1"/>
-          </p:cNvPicPr>
-          <p:nvPr/>
-        </p:nvPicPr>
-        <p:blipFill>
-          <a:blip r:embed="rId8">
-            <a:extLst>
-              <a:ext uri="{28A0092B-C50C-407E-A947-70E740481C1C}">
-                <a14:useLocalDpi xmlns:a14="http://schemas.microsoft.com/office/drawing/2010/main" val="0"/>
-              </a:ext>
-            </a:extLst>
-          </a:blip>
-          <a:stretch>
-            <a:fillRect/>
-          </a:stretch>
-        </p:blipFill>
-        <p:spPr>
-          <a:xfrm>
-            <a:off x="6041083" y="4417241"/>
-            <a:ext cx="476250" cy="476250"/>
-          </a:xfrm>
-          <a:prstGeom prst="rect">
-            <a:avLst/>
-          </a:prstGeom>
-        </p:spPr>
-      </p:pic>
-      <p:pic>
-        <p:nvPicPr>
-          <p:cNvPr id="55" name="图片 54">
-            <a:extLst>
-              <a:ext uri="{FF2B5EF4-FFF2-40B4-BE49-F238E27FC236}">
-                <a16:creationId xmlns:a16="http://schemas.microsoft.com/office/drawing/2014/main" id="{78F94C4E-FBEE-4618-B471-EC4E70DB63F7}"/>
-              </a:ext>
-            </a:extLst>
-          </p:cNvPr>
-          <p:cNvPicPr>
-            <a:picLocks noChangeAspect="1"/>
-          </p:cNvPicPr>
-          <p:nvPr/>
-        </p:nvPicPr>
-        <p:blipFill>
-          <a:blip r:embed="rId9">
-            <a:extLst>
-              <a:ext uri="{28A0092B-C50C-407E-A947-70E740481C1C}">
-                <a14:useLocalDpi xmlns:a14="http://schemas.microsoft.com/office/drawing/2010/main" val="0"/>
-              </a:ext>
-            </a:extLst>
-          </a:blip>
-          <a:stretch>
-            <a:fillRect/>
-          </a:stretch>
-        </p:blipFill>
-        <p:spPr>
-          <a:xfrm>
-            <a:off x="5571025" y="4417241"/>
-            <a:ext cx="476250" cy="476250"/>
-          </a:xfrm>
-          <a:prstGeom prst="rect">
-            <a:avLst/>
-          </a:prstGeom>
-        </p:spPr>
-      </p:pic>
-      <p:sp>
-        <p:nvSpPr>
-          <p:cNvPr id="3" name="文本框 2">
-            <a:extLst>
-              <a:ext uri="{FF2B5EF4-FFF2-40B4-BE49-F238E27FC236}">
-                <a16:creationId xmlns:a16="http://schemas.microsoft.com/office/drawing/2014/main" id="{9C228E4C-FD9F-45F3-A7CA-3381311E8231}"/>
-              </a:ext>
-            </a:extLst>
-          </p:cNvPr>
-          <p:cNvSpPr txBox="1"/>
-          <p:nvPr/>
-        </p:nvSpPr>
-        <p:spPr>
-          <a:xfrm>
-            <a:off x="2702335" y="975230"/>
-            <a:ext cx="970202" cy="369332"/>
-          </a:xfrm>
-          <a:prstGeom prst="rect">
-            <a:avLst/>
-          </a:prstGeom>
-          <a:noFill/>
-        </p:spPr>
-        <p:txBody>
-          <a:bodyPr wrap="none" rtlCol="0">
-            <a:spAutoFit/>
-          </a:bodyPr>
-          <a:lstStyle/>
-          <a:p>
-            <a:r>
-              <a:rPr lang="en-US">
-                <a:solidFill>
-                  <a:schemeClr val="bg2">
-                    <a:lumMod val="75000"/>
-                  </a:schemeClr>
-                </a:solidFill>
-              </a:rPr>
-              <a:t>Switch 1</a:t>
-            </a:r>
-          </a:p>
-        </p:txBody>
-      </p:sp>
-      <p:sp>
-        <p:nvSpPr>
-          <p:cNvPr id="49" name="文本框 48">
-            <a:extLst>
-              <a:ext uri="{FF2B5EF4-FFF2-40B4-BE49-F238E27FC236}">
-                <a16:creationId xmlns:a16="http://schemas.microsoft.com/office/drawing/2014/main" id="{48764847-7757-4891-8572-66D46F13287F}"/>
-              </a:ext>
-            </a:extLst>
-          </p:cNvPr>
-          <p:cNvSpPr txBox="1"/>
-          <p:nvPr/>
-        </p:nvSpPr>
-        <p:spPr>
-          <a:xfrm>
-            <a:off x="4496608" y="975230"/>
-            <a:ext cx="970202" cy="369332"/>
-          </a:xfrm>
-          <a:prstGeom prst="rect">
-            <a:avLst/>
-          </a:prstGeom>
-          <a:noFill/>
-        </p:spPr>
-        <p:txBody>
-          <a:bodyPr wrap="none" rtlCol="0">
-            <a:spAutoFit/>
-          </a:bodyPr>
-          <a:lstStyle/>
-          <a:p>
-            <a:r>
-              <a:rPr lang="en-US">
-                <a:solidFill>
-                  <a:schemeClr val="bg2">
-                    <a:lumMod val="75000"/>
-                  </a:schemeClr>
-                </a:solidFill>
-              </a:rPr>
-              <a:t>Switch 2</a:t>
-            </a:r>
-          </a:p>
-        </p:txBody>
-      </p:sp>
-      <p:cxnSp>
-        <p:nvCxnSpPr>
-          <p:cNvPr id="22" name="直接连接符 21">
-            <a:extLst>
-              <a:ext uri="{FF2B5EF4-FFF2-40B4-BE49-F238E27FC236}">
-                <a16:creationId xmlns:a16="http://schemas.microsoft.com/office/drawing/2014/main" id="{57F7F7D1-C84D-46D2-B6AC-081A7A87E617}"/>
-              </a:ext>
-            </a:extLst>
-          </p:cNvPr>
-          <p:cNvCxnSpPr>
-            <a:cxnSpLocks/>
-            <a:stCxn id="51" idx="0"/>
-          </p:cNvCxnSpPr>
-          <p:nvPr/>
-        </p:nvCxnSpPr>
-        <p:spPr>
-          <a:xfrm flipV="1">
-            <a:off x="4869032" y="4140200"/>
-            <a:ext cx="597778" cy="277041"/>
-          </a:xfrm>
-          <a:prstGeom prst="line">
-            <a:avLst/>
-          </a:prstGeom>
-          <a:ln w="9525">
-            <a:solidFill>
-              <a:schemeClr val="bg1">
-                <a:lumMod val="65000"/>
-              </a:schemeClr>
-            </a:solidFill>
-            <a:prstDash val="lgDash"/>
-          </a:ln>
-        </p:spPr>
-        <p:style>
-          <a:lnRef idx="1">
-            <a:schemeClr val="accent1"/>
-          </a:lnRef>
-          <a:fillRef idx="0">
-            <a:schemeClr val="accent1"/>
-          </a:fillRef>
-          <a:effectRef idx="0">
-            <a:schemeClr val="accent1"/>
-          </a:effectRef>
-          <a:fontRef idx="minor">
-            <a:schemeClr val="tx1"/>
-          </a:fontRef>
-        </p:style>
-      </p:cxnSp>
-      <p:cxnSp>
-        <p:nvCxnSpPr>
-          <p:cNvPr id="25" name="直接连接符 24">
-            <a:extLst>
-              <a:ext uri="{FF2B5EF4-FFF2-40B4-BE49-F238E27FC236}">
-                <a16:creationId xmlns:a16="http://schemas.microsoft.com/office/drawing/2014/main" id="{D22233C2-0983-41B6-8349-34A6EFF44829}"/>
-              </a:ext>
-            </a:extLst>
-          </p:cNvPr>
-          <p:cNvCxnSpPr/>
-          <p:nvPr/>
-        </p:nvCxnSpPr>
-        <p:spPr>
-          <a:xfrm flipV="1">
-            <a:off x="5362575" y="4140200"/>
-            <a:ext cx="188694" cy="277041"/>
-          </a:xfrm>
-          <a:prstGeom prst="line">
-            <a:avLst/>
-          </a:prstGeom>
-          <a:ln w="9525">
-            <a:solidFill>
-              <a:schemeClr val="bg1">
-                <a:lumMod val="65000"/>
-              </a:schemeClr>
-            </a:solidFill>
-            <a:prstDash val="lgDash"/>
-          </a:ln>
-        </p:spPr>
-        <p:style>
-          <a:lnRef idx="1">
-            <a:schemeClr val="accent1"/>
-          </a:lnRef>
-          <a:fillRef idx="0">
-            <a:schemeClr val="accent1"/>
-          </a:fillRef>
-          <a:effectRef idx="0">
-            <a:schemeClr val="accent1"/>
-          </a:effectRef>
-          <a:fontRef idx="minor">
-            <a:schemeClr val="tx1"/>
-          </a:fontRef>
-        </p:style>
-      </p:cxnSp>
-      <p:cxnSp>
-        <p:nvCxnSpPr>
-          <p:cNvPr id="32" name="直接连接符 31">
-            <a:extLst>
-              <a:ext uri="{FF2B5EF4-FFF2-40B4-BE49-F238E27FC236}">
-                <a16:creationId xmlns:a16="http://schemas.microsoft.com/office/drawing/2014/main" id="{9FD1D243-6CAC-489C-9465-44CD34A26D85}"/>
-              </a:ext>
-            </a:extLst>
-          </p:cNvPr>
-          <p:cNvCxnSpPr>
-            <a:cxnSpLocks/>
-            <a:stCxn id="55" idx="0"/>
-          </p:cNvCxnSpPr>
-          <p:nvPr/>
-        </p:nvCxnSpPr>
-        <p:spPr>
-          <a:xfrm flipH="1" flipV="1">
-            <a:off x="5635729" y="4140200"/>
-            <a:ext cx="173421" cy="277041"/>
-          </a:xfrm>
-          <a:prstGeom prst="line">
-            <a:avLst/>
-          </a:prstGeom>
-          <a:ln w="9525">
-            <a:solidFill>
-              <a:schemeClr val="bg1">
-                <a:lumMod val="65000"/>
-              </a:schemeClr>
-            </a:solidFill>
-            <a:prstDash val="lgDash"/>
-          </a:ln>
-        </p:spPr>
-        <p:style>
-          <a:lnRef idx="1">
-            <a:schemeClr val="accent1"/>
-          </a:lnRef>
-          <a:fillRef idx="0">
-            <a:schemeClr val="accent1"/>
-          </a:fillRef>
-          <a:effectRef idx="0">
-            <a:schemeClr val="accent1"/>
-          </a:effectRef>
-          <a:fontRef idx="minor">
-            <a:schemeClr val="tx1"/>
-          </a:fontRef>
-        </p:style>
-      </p:cxnSp>
-      <p:cxnSp>
-        <p:nvCxnSpPr>
-          <p:cNvPr id="38" name="直接连接符 37">
-            <a:extLst>
-              <a:ext uri="{FF2B5EF4-FFF2-40B4-BE49-F238E27FC236}">
-                <a16:creationId xmlns:a16="http://schemas.microsoft.com/office/drawing/2014/main" id="{E1A31560-3814-4695-A2FD-7B69AB6DB3FF}"/>
-              </a:ext>
-            </a:extLst>
-          </p:cNvPr>
-          <p:cNvCxnSpPr>
-            <a:stCxn id="53" idx="0"/>
-          </p:cNvCxnSpPr>
-          <p:nvPr/>
-        </p:nvCxnSpPr>
-        <p:spPr>
-          <a:xfrm flipH="1" flipV="1">
-            <a:off x="5720188" y="4140200"/>
-            <a:ext cx="559020" cy="277041"/>
-          </a:xfrm>
-          <a:prstGeom prst="line">
-            <a:avLst/>
-          </a:prstGeom>
-          <a:ln w="9525">
-            <a:solidFill>
-              <a:schemeClr val="bg1">
-                <a:lumMod val="65000"/>
-              </a:schemeClr>
-            </a:solidFill>
-            <a:prstDash val="lgDash"/>
-          </a:ln>
-        </p:spPr>
-        <p:style>
-          <a:lnRef idx="1">
-            <a:schemeClr val="accent1"/>
-          </a:lnRef>
-          <a:fillRef idx="0">
-            <a:schemeClr val="accent1"/>
-          </a:fillRef>
-          <a:effectRef idx="0">
-            <a:schemeClr val="accent1"/>
-          </a:effectRef>
-          <a:fontRef idx="minor">
-            <a:schemeClr val="tx1"/>
-          </a:fontRef>
-        </p:style>
-      </p:cxnSp>
-      <p:sp>
-        <p:nvSpPr>
-          <p:cNvPr id="68" name="文本框 67">
-            <a:extLst>
-              <a:ext uri="{FF2B5EF4-FFF2-40B4-BE49-F238E27FC236}">
-                <a16:creationId xmlns:a16="http://schemas.microsoft.com/office/drawing/2014/main" id="{04A18177-FBB8-44A6-840A-E9BFCB32658B}"/>
-              </a:ext>
-            </a:extLst>
-          </p:cNvPr>
-          <p:cNvSpPr txBox="1"/>
-          <p:nvPr/>
-        </p:nvSpPr>
-        <p:spPr>
-          <a:xfrm>
-            <a:off x="5635729" y="976282"/>
-            <a:ext cx="970202" cy="369332"/>
-          </a:xfrm>
-          <a:prstGeom prst="rect">
-            <a:avLst/>
-          </a:prstGeom>
-          <a:noFill/>
-        </p:spPr>
-        <p:txBody>
-          <a:bodyPr wrap="none" rtlCol="0">
-            <a:spAutoFit/>
-          </a:bodyPr>
-          <a:lstStyle/>
-          <a:p>
-            <a:r>
-              <a:rPr lang="en-US">
-                <a:solidFill>
-                  <a:schemeClr val="bg2">
-                    <a:lumMod val="75000"/>
-                  </a:schemeClr>
-                </a:solidFill>
-              </a:rPr>
-              <a:t>Switch 3</a:t>
-            </a:r>
-          </a:p>
-        </p:txBody>
-      </p:sp>
-      <p:sp>
-        <p:nvSpPr>
-          <p:cNvPr id="70" name="文本框 69">
-            <a:extLst>
-              <a:ext uri="{FF2B5EF4-FFF2-40B4-BE49-F238E27FC236}">
-                <a16:creationId xmlns:a16="http://schemas.microsoft.com/office/drawing/2014/main" id="{85036A60-7A67-4633-B090-07ABEBCA082A}"/>
-              </a:ext>
-            </a:extLst>
-          </p:cNvPr>
-          <p:cNvSpPr txBox="1"/>
-          <p:nvPr/>
-        </p:nvSpPr>
-        <p:spPr>
-          <a:xfrm>
-            <a:off x="6774850" y="983420"/>
-            <a:ext cx="970202" cy="369332"/>
-          </a:xfrm>
-          <a:prstGeom prst="rect">
-            <a:avLst/>
-          </a:prstGeom>
-          <a:noFill/>
-        </p:spPr>
-        <p:txBody>
-          <a:bodyPr wrap="none" rtlCol="0">
-            <a:spAutoFit/>
-          </a:bodyPr>
-          <a:lstStyle/>
-          <a:p>
-            <a:r>
-              <a:rPr lang="en-US">
-                <a:solidFill>
-                  <a:schemeClr val="bg2">
-                    <a:lumMod val="75000"/>
-                  </a:schemeClr>
-                </a:solidFill>
-              </a:rPr>
-              <a:t>Switch 4</a:t>
-            </a:r>
-          </a:p>
-        </p:txBody>
-      </p:sp>
-      <p:cxnSp>
-        <p:nvCxnSpPr>
-          <p:cNvPr id="40" name="直接连接符 39">
-            <a:extLst>
-              <a:ext uri="{FF2B5EF4-FFF2-40B4-BE49-F238E27FC236}">
-                <a16:creationId xmlns:a16="http://schemas.microsoft.com/office/drawing/2014/main" id="{22FA7ED2-731A-4A9F-BFF0-E9A487A90078}"/>
-              </a:ext>
-            </a:extLst>
-          </p:cNvPr>
-          <p:cNvCxnSpPr/>
-          <p:nvPr/>
-        </p:nvCxnSpPr>
-        <p:spPr>
-          <a:xfrm flipV="1">
-            <a:off x="3628087" y="894984"/>
-            <a:ext cx="0" cy="730616"/>
-          </a:xfrm>
-          <a:prstGeom prst="line">
-            <a:avLst/>
-          </a:prstGeom>
-          <a:ln w="9525">
-            <a:solidFill>
-              <a:schemeClr val="bg1">
-                <a:lumMod val="65000"/>
-              </a:schemeClr>
-            </a:solidFill>
-            <a:prstDash val="lgDash"/>
-          </a:ln>
-        </p:spPr>
-        <p:style>
-          <a:lnRef idx="1">
-            <a:schemeClr val="accent1"/>
-          </a:lnRef>
-          <a:fillRef idx="0">
-            <a:schemeClr val="accent1"/>
-          </a:fillRef>
-          <a:effectRef idx="0">
-            <a:schemeClr val="accent1"/>
-          </a:effectRef>
-          <a:fontRef idx="minor">
-            <a:schemeClr val="tx1"/>
-          </a:fontRef>
-        </p:style>
-      </p:cxnSp>
-      <p:cxnSp>
-        <p:nvCxnSpPr>
-          <p:cNvPr id="71" name="直接连接符 70">
-            <a:extLst>
-              <a:ext uri="{FF2B5EF4-FFF2-40B4-BE49-F238E27FC236}">
-                <a16:creationId xmlns:a16="http://schemas.microsoft.com/office/drawing/2014/main" id="{AB2D8C63-B73E-4443-9D5B-7138B47F2D3A}"/>
-              </a:ext>
-            </a:extLst>
-          </p:cNvPr>
-          <p:cNvCxnSpPr/>
-          <p:nvPr/>
-        </p:nvCxnSpPr>
-        <p:spPr>
-          <a:xfrm flipV="1">
-            <a:off x="3894787" y="894984"/>
-            <a:ext cx="0" cy="730616"/>
-          </a:xfrm>
-          <a:prstGeom prst="line">
-            <a:avLst/>
-          </a:prstGeom>
-          <a:ln w="9525">
-            <a:solidFill>
-              <a:schemeClr val="bg1">
-                <a:lumMod val="65000"/>
-              </a:schemeClr>
-            </a:solidFill>
-            <a:prstDash val="lgDash"/>
-          </a:ln>
-        </p:spPr>
-        <p:style>
-          <a:lnRef idx="1">
-            <a:schemeClr val="accent1"/>
-          </a:lnRef>
-          <a:fillRef idx="0">
-            <a:schemeClr val="accent1"/>
-          </a:fillRef>
-          <a:effectRef idx="0">
-            <a:schemeClr val="accent1"/>
-          </a:effectRef>
-          <a:fontRef idx="minor">
-            <a:schemeClr val="tx1"/>
-          </a:fontRef>
-        </p:style>
-      </p:cxnSp>
-      <p:cxnSp>
-        <p:nvCxnSpPr>
-          <p:cNvPr id="72" name="直接连接符 71">
-            <a:extLst>
-              <a:ext uri="{FF2B5EF4-FFF2-40B4-BE49-F238E27FC236}">
-                <a16:creationId xmlns:a16="http://schemas.microsoft.com/office/drawing/2014/main" id="{693798F2-DA27-4C98-86A3-FC188DC2D98A}"/>
-              </a:ext>
-            </a:extLst>
-          </p:cNvPr>
-          <p:cNvCxnSpPr/>
-          <p:nvPr/>
-        </p:nvCxnSpPr>
-        <p:spPr>
-          <a:xfrm flipV="1">
-            <a:off x="4144596" y="894984"/>
-            <a:ext cx="0" cy="730616"/>
-          </a:xfrm>
-          <a:prstGeom prst="line">
-            <a:avLst/>
-          </a:prstGeom>
-          <a:ln w="9525">
-            <a:solidFill>
-              <a:schemeClr val="bg1">
-                <a:lumMod val="65000"/>
-              </a:schemeClr>
-            </a:solidFill>
-            <a:prstDash val="lgDash"/>
-          </a:ln>
-        </p:spPr>
-        <p:style>
-          <a:lnRef idx="1">
-            <a:schemeClr val="accent1"/>
-          </a:lnRef>
-          <a:fillRef idx="0">
-            <a:schemeClr val="accent1"/>
-          </a:fillRef>
-          <a:effectRef idx="0">
-            <a:schemeClr val="accent1"/>
-          </a:effectRef>
-          <a:fontRef idx="minor">
-            <a:schemeClr val="tx1"/>
-          </a:fontRef>
-        </p:style>
-      </p:cxnSp>
     </p:spTree>
     <p:extLst>
       <p:ext uri="{BB962C8B-B14F-4D97-AF65-F5344CB8AC3E}">
@@ -14245,7 +14208,7 @@
             <p:nvPr>
               <p:extLst>
                 <p:ext uri="{D42A27DB-BD31-4B8C-83A1-F6EECF244321}">
-                  <p14:modId xmlns:p14="http://schemas.microsoft.com/office/powerpoint/2010/main" val="2336138924"/>
+                  <p14:modId xmlns:p14="http://schemas.microsoft.com/office/powerpoint/2010/main" val="2113667879"/>
                 </p:ext>
               </p:extLst>
             </p:nvPr>
@@ -14402,12 +14365,9 @@
                 <a:r>
                   <a:rPr lang="en-US" sz="1300" b="1">
                     <a:solidFill>
-                      <a:srgbClr val="44546A">
-                        <a:hueOff val="0"/>
-                        <a:satOff val="0"/>
-                        <a:lumOff val="0"/>
-                        <a:alphaOff val="0"/>
-                      </a:srgbClr>
+                      <a:schemeClr val="bg1">
+                        <a:lumMod val="65000"/>
+                      </a:schemeClr>
                     </a:solidFill>
                     <a:latin typeface="Calibri" panose="020F0502020204030204"/>
                   </a:rPr>
@@ -14474,7 +14434,7 @@
           <p:nvPr>
             <p:extLst>
               <p:ext uri="{D42A27DB-BD31-4B8C-83A1-F6EECF244321}">
-                <p14:modId xmlns:p14="http://schemas.microsoft.com/office/powerpoint/2010/main" val="3701853623"/>
+                <p14:modId xmlns:p14="http://schemas.microsoft.com/office/powerpoint/2010/main" val="940469289"/>
               </p:ext>
             </p:extLst>
           </p:nvPr>
@@ -14631,12 +14591,9 @@
               <a:r>
                 <a:rPr lang="en-US" sz="1300" b="1">
                   <a:solidFill>
-                    <a:srgbClr val="44546A">
-                      <a:hueOff val="0"/>
-                      <a:satOff val="0"/>
-                      <a:lumOff val="0"/>
-                      <a:alphaOff val="0"/>
-                    </a:srgbClr>
+                    <a:schemeClr val="bg1">
+                      <a:lumMod val="65000"/>
+                    </a:schemeClr>
                   </a:solidFill>
                   <a:latin typeface="Calibri" panose="020F0502020204030204"/>
                 </a:rPr>
@@ -14754,7 +14711,9 @@
           </a:prstGeom>
           <a:ln w="15875">
             <a:solidFill>
-              <a:schemeClr val="tx2"/>
+              <a:schemeClr val="bg1">
+                <a:lumMod val="65000"/>
+              </a:schemeClr>
             </a:solidFill>
           </a:ln>
         </p:spPr>

--- a/img/pin_map.pptx
+++ b/img/pin_map.pptx
@@ -13578,7 +13578,7 @@
         </p:blipFill>
         <p:spPr>
           <a:xfrm>
-            <a:off x="1504918" y="-382836"/>
+            <a:off x="3397218" y="-1836"/>
             <a:ext cx="5689600" cy="4267200"/>
           </a:xfrm>
           <a:prstGeom prst="rect">
@@ -13602,7 +13602,7 @@
         </p:nvSpPr>
         <p:spPr>
           <a:xfrm rot="5400000">
-            <a:off x="6453107" y="3412065"/>
+            <a:off x="8345407" y="3793065"/>
             <a:ext cx="298598" cy="269331"/>
           </a:xfrm>
           <a:prstGeom prst="rect">
@@ -13653,7 +13653,7 @@
         </p:nvSpPr>
         <p:spPr>
           <a:xfrm rot="5400000">
-            <a:off x="6014163" y="3403731"/>
+            <a:off x="7906463" y="3784731"/>
             <a:ext cx="298598" cy="269331"/>
           </a:xfrm>
           <a:prstGeom prst="rect">
@@ -13704,7 +13704,7 @@
         </p:nvSpPr>
         <p:spPr>
           <a:xfrm rot="5400000">
-            <a:off x="5566122" y="3412065"/>
+            <a:off x="7458422" y="3793065"/>
             <a:ext cx="298598" cy="269331"/>
           </a:xfrm>
           <a:prstGeom prst="rect">
@@ -13755,7 +13755,7 @@
         </p:nvSpPr>
         <p:spPr>
           <a:xfrm rot="5400000">
-            <a:off x="5118176" y="3412065"/>
+            <a:off x="7010476" y="3793065"/>
             <a:ext cx="298598" cy="269331"/>
           </a:xfrm>
           <a:prstGeom prst="rect">
@@ -13806,7 +13806,7 @@
         </p:nvCxnSpPr>
         <p:spPr>
           <a:xfrm flipH="1">
-            <a:off x="5132808" y="3045598"/>
+            <a:off x="7025108" y="3426598"/>
             <a:ext cx="697951" cy="334937"/>
           </a:xfrm>
           <a:prstGeom prst="line">
@@ -13852,7 +13852,7 @@
         </p:nvCxnSpPr>
         <p:spPr>
           <a:xfrm>
-            <a:off x="6166934" y="3045597"/>
+            <a:off x="8059234" y="3426597"/>
             <a:ext cx="570137" cy="333532"/>
           </a:xfrm>
           <a:prstGeom prst="line">
@@ -13896,7 +13896,7 @@
         </p:nvSpPr>
         <p:spPr>
           <a:xfrm rot="10800000">
-            <a:off x="4553684" y="3542627"/>
+            <a:off x="6445984" y="3923627"/>
             <a:ext cx="506861" cy="290137"/>
           </a:xfrm>
           <a:prstGeom prst="rightArrow">
@@ -13952,13 +13952,13 @@
           <p:nvPr>
             <p:extLst>
               <p:ext uri="{D42A27DB-BD31-4B8C-83A1-F6EECF244321}">
-                <p14:modId xmlns:p14="http://schemas.microsoft.com/office/powerpoint/2010/main" val="713398935"/>
+                <p14:modId xmlns:p14="http://schemas.microsoft.com/office/powerpoint/2010/main" val="150676093"/>
               </p:ext>
             </p:extLst>
           </p:nvPr>
         </p:nvGraphicFramePr>
         <p:xfrm>
-          <a:off x="1892653" y="3380535"/>
+          <a:off x="3784953" y="3761535"/>
           <a:ext cx="2605635" cy="923330"/>
         </p:xfrm>
         <a:graphic>
@@ -13983,7 +13983,7 @@
         </p:nvSpPr>
         <p:spPr>
           <a:xfrm rot="5400000">
-            <a:off x="6453106" y="3898998"/>
+            <a:off x="8345406" y="4279998"/>
             <a:ext cx="298598" cy="269331"/>
           </a:xfrm>
           <a:prstGeom prst="rect">
@@ -14034,7 +14034,7 @@
         </p:nvSpPr>
         <p:spPr>
           <a:xfrm rot="5400000">
-            <a:off x="6014162" y="3890664"/>
+            <a:off x="7906462" y="4271664"/>
             <a:ext cx="298598" cy="269331"/>
           </a:xfrm>
           <a:prstGeom prst="rect">
@@ -14085,7 +14085,7 @@
         </p:nvSpPr>
         <p:spPr>
           <a:xfrm rot="5400000">
-            <a:off x="5566121" y="3898998"/>
+            <a:off x="7458421" y="4279998"/>
             <a:ext cx="298598" cy="269331"/>
           </a:xfrm>
           <a:prstGeom prst="rect">
@@ -14136,7 +14136,7 @@
         </p:nvSpPr>
         <p:spPr>
           <a:xfrm rot="5400000">
-            <a:off x="5118175" y="3898998"/>
+            <a:off x="7010475" y="4279998"/>
             <a:ext cx="298598" cy="269331"/>
           </a:xfrm>
           <a:prstGeom prst="rect">
@@ -14187,7 +14187,7 @@
         </p:nvGrpSpPr>
         <p:grpSpPr>
           <a:xfrm>
-            <a:off x="1300292" y="4555274"/>
+            <a:off x="3192592" y="4936274"/>
             <a:ext cx="3379256" cy="1197466"/>
             <a:chOff x="2109928" y="4971209"/>
             <a:chExt cx="2605635" cy="923333"/>
@@ -14392,7 +14392,7 @@
         </p:nvSpPr>
         <p:spPr>
           <a:xfrm>
-            <a:off x="751532" y="4763090"/>
+            <a:off x="2643832" y="5144090"/>
             <a:ext cx="1526828" cy="369332"/>
           </a:xfrm>
           <a:prstGeom prst="rect">
@@ -14434,13 +14434,13 @@
           <p:nvPr>
             <p:extLst>
               <p:ext uri="{D42A27DB-BD31-4B8C-83A1-F6EECF244321}">
-                <p14:modId xmlns:p14="http://schemas.microsoft.com/office/powerpoint/2010/main" val="940469289"/>
+                <p14:modId xmlns:p14="http://schemas.microsoft.com/office/powerpoint/2010/main" val="2609075529"/>
               </p:ext>
             </p:extLst>
           </p:nvPr>
         </p:nvGraphicFramePr>
         <p:xfrm>
-          <a:off x="3999254" y="4561103"/>
+          <a:off x="5891554" y="4942103"/>
           <a:ext cx="3379256" cy="1197462"/>
         </p:xfrm>
         <a:graphic>
@@ -14463,7 +14463,7 @@
         </p:nvGrpSpPr>
         <p:grpSpPr>
           <a:xfrm>
-            <a:off x="5860798" y="5111396"/>
+            <a:off x="7753098" y="5492396"/>
             <a:ext cx="563044" cy="647173"/>
             <a:chOff x="2171491" y="366788"/>
             <a:chExt cx="434145" cy="499017"/>
@@ -14617,7 +14617,7 @@
         </p:nvSpPr>
         <p:spPr>
           <a:xfrm>
-            <a:off x="6457438" y="5204805"/>
+            <a:off x="8349738" y="5585805"/>
             <a:ext cx="1373005" cy="369332"/>
           </a:xfrm>
           <a:prstGeom prst="rect">
@@ -14660,7 +14660,7 @@
         </p:nvCxnSpPr>
         <p:spPr>
           <a:xfrm>
-            <a:off x="3488558" y="3909764"/>
+            <a:off x="5380858" y="4290764"/>
             <a:ext cx="294669" cy="0"/>
           </a:xfrm>
           <a:prstGeom prst="line">
@@ -14703,7 +14703,7 @@
         </p:nvCxnSpPr>
         <p:spPr>
           <a:xfrm>
-            <a:off x="2090876" y="5340350"/>
+            <a:off x="3983176" y="5721350"/>
             <a:ext cx="233224" cy="0"/>
           </a:xfrm>
           <a:prstGeom prst="line">

--- a/img/pin_map.pptx
+++ b/img/pin_map.pptx
@@ -8927,7 +8927,7 @@
           <a:p>
             <a:fld id="{6BAEC7DB-416E-4648-AE31-15D6F0A9A9FB}" type="datetimeFigureOut">
               <a:rPr lang="en-US" smtClean="0"/>
-              <a:t>8/24/2018</a:t>
+              <a:t>11/30/2018</a:t>
             </a:fld>
             <a:endParaRPr lang="en-US"/>
           </a:p>
@@ -9127,7 +9127,7 @@
           <a:p>
             <a:fld id="{6BAEC7DB-416E-4648-AE31-15D6F0A9A9FB}" type="datetimeFigureOut">
               <a:rPr lang="en-US" smtClean="0"/>
-              <a:t>8/24/2018</a:t>
+              <a:t>11/30/2018</a:t>
             </a:fld>
             <a:endParaRPr lang="en-US"/>
           </a:p>
@@ -9337,7 +9337,7 @@
           <a:p>
             <a:fld id="{6BAEC7DB-416E-4648-AE31-15D6F0A9A9FB}" type="datetimeFigureOut">
               <a:rPr lang="en-US" smtClean="0"/>
-              <a:t>8/24/2018</a:t>
+              <a:t>11/30/2018</a:t>
             </a:fld>
             <a:endParaRPr lang="en-US"/>
           </a:p>
@@ -9537,7 +9537,7 @@
           <a:p>
             <a:fld id="{6BAEC7DB-416E-4648-AE31-15D6F0A9A9FB}" type="datetimeFigureOut">
               <a:rPr lang="en-US" smtClean="0"/>
-              <a:t>8/24/2018</a:t>
+              <a:t>11/30/2018</a:t>
             </a:fld>
             <a:endParaRPr lang="en-US"/>
           </a:p>
@@ -9813,7 +9813,7 @@
           <a:p>
             <a:fld id="{6BAEC7DB-416E-4648-AE31-15D6F0A9A9FB}" type="datetimeFigureOut">
               <a:rPr lang="en-US" smtClean="0"/>
-              <a:t>8/24/2018</a:t>
+              <a:t>11/30/2018</a:t>
             </a:fld>
             <a:endParaRPr lang="en-US"/>
           </a:p>
@@ -10081,7 +10081,7 @@
           <a:p>
             <a:fld id="{6BAEC7DB-416E-4648-AE31-15D6F0A9A9FB}" type="datetimeFigureOut">
               <a:rPr lang="en-US" smtClean="0"/>
-              <a:t>8/24/2018</a:t>
+              <a:t>11/30/2018</a:t>
             </a:fld>
             <a:endParaRPr lang="en-US"/>
           </a:p>
@@ -10496,7 +10496,7 @@
           <a:p>
             <a:fld id="{6BAEC7DB-416E-4648-AE31-15D6F0A9A9FB}" type="datetimeFigureOut">
               <a:rPr lang="en-US" smtClean="0"/>
-              <a:t>8/24/2018</a:t>
+              <a:t>11/30/2018</a:t>
             </a:fld>
             <a:endParaRPr lang="en-US"/>
           </a:p>
@@ -10638,7 +10638,7 @@
           <a:p>
             <a:fld id="{6BAEC7DB-416E-4648-AE31-15D6F0A9A9FB}" type="datetimeFigureOut">
               <a:rPr lang="en-US" smtClean="0"/>
-              <a:t>8/24/2018</a:t>
+              <a:t>11/30/2018</a:t>
             </a:fld>
             <a:endParaRPr lang="en-US"/>
           </a:p>
@@ -10751,7 +10751,7 @@
           <a:p>
             <a:fld id="{6BAEC7DB-416E-4648-AE31-15D6F0A9A9FB}" type="datetimeFigureOut">
               <a:rPr lang="en-US" smtClean="0"/>
-              <a:t>8/24/2018</a:t>
+              <a:t>11/30/2018</a:t>
             </a:fld>
             <a:endParaRPr lang="en-US"/>
           </a:p>
@@ -11064,7 +11064,7 @@
           <a:p>
             <a:fld id="{6BAEC7DB-416E-4648-AE31-15D6F0A9A9FB}" type="datetimeFigureOut">
               <a:rPr lang="en-US" smtClean="0"/>
-              <a:t>8/24/2018</a:t>
+              <a:t>11/30/2018</a:t>
             </a:fld>
             <a:endParaRPr lang="en-US"/>
           </a:p>
@@ -11353,7 +11353,7 @@
           <a:p>
             <a:fld id="{6BAEC7DB-416E-4648-AE31-15D6F0A9A9FB}" type="datetimeFigureOut">
               <a:rPr lang="en-US" smtClean="0"/>
-              <a:t>8/24/2018</a:t>
+              <a:t>11/30/2018</a:t>
             </a:fld>
             <a:endParaRPr lang="en-US"/>
           </a:p>
@@ -11596,7 +11596,7 @@
           <a:p>
             <a:fld id="{6BAEC7DB-416E-4648-AE31-15D6F0A9A9FB}" type="datetimeFigureOut">
               <a:rPr lang="en-US" smtClean="0"/>
-              <a:t>8/24/2018</a:t>
+              <a:t>11/30/2018</a:t>
             </a:fld>
             <a:endParaRPr lang="en-US"/>
           </a:p>
@@ -13083,7 +13083,7 @@
                 <a:ea typeface="Microsoft JhengHei Light" panose="020B0304030504040204" pitchFamily="34" charset="-120"/>
                 <a:cs typeface="Leelawadee UI" panose="020B0502040204020203" pitchFamily="34" charset="-34"/>
               </a:rPr>
-              <a:t>VCC: you can use 5V or 3.3V for this module</a:t>
+              <a:t>VCC: you can use 5V for this module</a:t>
             </a:r>
           </a:p>
           <a:p>
